--- a/Documentation/SPI Communication.pptx
+++ b/Documentation/SPI Communication.pptx
@@ -318,7 +318,7 @@
             <a:fld id="{3935A81C-4AC1-4479-8944-3B69A4CAD9EC}" type="datetimeFigureOut">
               <a:rPr lang="en-US" smtClean="0"/>
               <a:pPr/>
-              <a:t>5/28/2015</a:t>
+              <a:t>6/3/2015</a:t>
             </a:fld>
             <a:endParaRPr lang="en-US"/>
           </a:p>
@@ -485,7 +485,7 @@
             <a:fld id="{3935A81C-4AC1-4479-8944-3B69A4CAD9EC}" type="datetimeFigureOut">
               <a:rPr lang="en-US" smtClean="0"/>
               <a:pPr/>
-              <a:t>5/28/2015</a:t>
+              <a:t>6/3/2015</a:t>
             </a:fld>
             <a:endParaRPr lang="en-US"/>
           </a:p>
@@ -662,7 +662,7 @@
             <a:fld id="{3935A81C-4AC1-4479-8944-3B69A4CAD9EC}" type="datetimeFigureOut">
               <a:rPr lang="en-US" smtClean="0"/>
               <a:pPr/>
-              <a:t>5/28/2015</a:t>
+              <a:t>6/3/2015</a:t>
             </a:fld>
             <a:endParaRPr lang="en-US"/>
           </a:p>
@@ -829,7 +829,7 @@
             <a:fld id="{3935A81C-4AC1-4479-8944-3B69A4CAD9EC}" type="datetimeFigureOut">
               <a:rPr lang="en-US" smtClean="0"/>
               <a:pPr/>
-              <a:t>5/28/2015</a:t>
+              <a:t>6/3/2015</a:t>
             </a:fld>
             <a:endParaRPr lang="en-US"/>
           </a:p>
@@ -1072,7 +1072,7 @@
             <a:fld id="{3935A81C-4AC1-4479-8944-3B69A4CAD9EC}" type="datetimeFigureOut">
               <a:rPr lang="en-US" smtClean="0"/>
               <a:pPr/>
-              <a:t>5/28/2015</a:t>
+              <a:t>6/3/2015</a:t>
             </a:fld>
             <a:endParaRPr lang="en-US"/>
           </a:p>
@@ -1357,7 +1357,7 @@
             <a:fld id="{3935A81C-4AC1-4479-8944-3B69A4CAD9EC}" type="datetimeFigureOut">
               <a:rPr lang="en-US" smtClean="0"/>
               <a:pPr/>
-              <a:t>5/28/2015</a:t>
+              <a:t>6/3/2015</a:t>
             </a:fld>
             <a:endParaRPr lang="en-US"/>
           </a:p>
@@ -1776,7 +1776,7 @@
             <a:fld id="{3935A81C-4AC1-4479-8944-3B69A4CAD9EC}" type="datetimeFigureOut">
               <a:rPr lang="en-US" smtClean="0"/>
               <a:pPr/>
-              <a:t>5/28/2015</a:t>
+              <a:t>6/3/2015</a:t>
             </a:fld>
             <a:endParaRPr lang="en-US"/>
           </a:p>
@@ -1891,7 +1891,7 @@
             <a:fld id="{3935A81C-4AC1-4479-8944-3B69A4CAD9EC}" type="datetimeFigureOut">
               <a:rPr lang="en-US" smtClean="0"/>
               <a:pPr/>
-              <a:t>5/28/2015</a:t>
+              <a:t>6/3/2015</a:t>
             </a:fld>
             <a:endParaRPr lang="en-US"/>
           </a:p>
@@ -1983,7 +1983,7 @@
             <a:fld id="{3935A81C-4AC1-4479-8944-3B69A4CAD9EC}" type="datetimeFigureOut">
               <a:rPr lang="en-US" smtClean="0"/>
               <a:pPr/>
-              <a:t>5/28/2015</a:t>
+              <a:t>6/3/2015</a:t>
             </a:fld>
             <a:endParaRPr lang="en-US"/>
           </a:p>
@@ -2257,7 +2257,7 @@
             <a:fld id="{3935A81C-4AC1-4479-8944-3B69A4CAD9EC}" type="datetimeFigureOut">
               <a:rPr lang="en-US" smtClean="0"/>
               <a:pPr/>
-              <a:t>5/28/2015</a:t>
+              <a:t>6/3/2015</a:t>
             </a:fld>
             <a:endParaRPr lang="en-US"/>
           </a:p>
@@ -2507,7 +2507,7 @@
             <a:fld id="{3935A81C-4AC1-4479-8944-3B69A4CAD9EC}" type="datetimeFigureOut">
               <a:rPr lang="en-US" smtClean="0"/>
               <a:pPr/>
-              <a:t>5/28/2015</a:t>
+              <a:t>6/3/2015</a:t>
             </a:fld>
             <a:endParaRPr lang="en-US"/>
           </a:p>
@@ -2717,7 +2717,7 @@
             <a:fld id="{3935A81C-4AC1-4479-8944-3B69A4CAD9EC}" type="datetimeFigureOut">
               <a:rPr lang="en-US" smtClean="0"/>
               <a:pPr/>
-              <a:t>5/28/2015</a:t>
+              <a:t>6/3/2015</a:t>
             </a:fld>
             <a:endParaRPr lang="en-US"/>
           </a:p>
@@ -6181,11 +6181,7 @@
           <a:p>
             <a:r>
               <a:rPr lang="en-US" smtClean="0"/>
-              <a:t>UEGO </a:t>
-            </a:r>
-            <a:r>
-              <a:rPr lang="en-US" smtClean="0"/>
-              <a:t>in </a:t>
+              <a:t>UEGO in </a:t>
             </a:r>
             <a:r>
               <a:rPr lang="en-US" dirty="0" err="1" smtClean="0"/>
@@ -7955,7 +7951,7 @@
           <a:p>
             <a:r>
               <a:rPr lang="en-US" dirty="0" smtClean="0"/>
-              <a:t>LEDs(??)</a:t>
+              <a:t>LEDs on Backplane</a:t>
             </a:r>
             <a:endParaRPr lang="en-US" dirty="0"/>
           </a:p>
@@ -7970,7 +7966,7 @@
         <p:spPr>
           <a:xfrm>
             <a:off x="152399" y="838200"/>
-            <a:ext cx="4548169" cy="1169551"/>
+            <a:ext cx="4548169" cy="1384995"/>
           </a:xfrm>
           <a:prstGeom prst="rect">
             <a:avLst/>
@@ -8010,8 +8006,13 @@
             </a:pPr>
             <a:r>
               <a:rPr lang="en-US" sz="1400" dirty="0" smtClean="0"/>
-              <a:t>Slot #</a:t>
-            </a:r>
+              <a:t>Slot </a:t>
+            </a:r>
+            <a:r>
+              <a:rPr lang="en-US" sz="1400" dirty="0" smtClean="0"/>
+              <a:t>0 only</a:t>
+            </a:r>
+            <a:endParaRPr lang="en-US" sz="1400" dirty="0" smtClean="0"/>
           </a:p>
           <a:p>
             <a:pPr marL="742950" lvl="1" indent="-285750">
@@ -8020,8 +8021,13 @@
             </a:pPr>
             <a:r>
               <a:rPr lang="en-US" sz="1400" dirty="0" smtClean="0"/>
-              <a:t>Banks ??</a:t>
-            </a:r>
+              <a:t>Banks </a:t>
+            </a:r>
+            <a:r>
+              <a:rPr lang="en-US" sz="1400" dirty="0"/>
+              <a:t>0</a:t>
+            </a:r>
+            <a:endParaRPr lang="en-US" sz="1400" dirty="0" smtClean="0"/>
           </a:p>
           <a:p>
             <a:pPr marL="1200150" lvl="2" indent="-285750">
@@ -8030,8 +8036,40 @@
             </a:pPr>
             <a:r>
               <a:rPr lang="en-US" sz="1400" dirty="0" smtClean="0"/>
-              <a:t>??</a:t>
-            </a:r>
+              <a:t>LED </a:t>
+            </a:r>
+            <a:r>
+              <a:rPr lang="en-US" sz="1400" dirty="0"/>
+              <a:t>1 -&gt; </a:t>
+            </a:r>
+            <a:r>
+              <a:rPr lang="en-US" sz="1400" dirty="0" smtClean="0"/>
+              <a:t>LED 8</a:t>
+            </a:r>
+            <a:endParaRPr lang="en-US" sz="1400" dirty="0"/>
+          </a:p>
+          <a:p>
+            <a:pPr marL="1657350" lvl="3" indent="-285750">
+              <a:buFont typeface="Arial" panose="020B0604020202020204" pitchFamily="34" charset="0"/>
+              <a:buChar char="•"/>
+            </a:pPr>
+            <a:r>
+              <a:rPr lang="en-US" sz="1400" dirty="0"/>
+              <a:t>Line: 1 = </a:t>
+            </a:r>
+            <a:r>
+              <a:rPr lang="en-US" sz="1400" dirty="0" smtClean="0"/>
+              <a:t>ON, </a:t>
+            </a:r>
+            <a:r>
+              <a:rPr lang="en-US" sz="1400" dirty="0"/>
+              <a:t>0 = </a:t>
+            </a:r>
+            <a:r>
+              <a:rPr lang="en-US" sz="1400" dirty="0" smtClean="0"/>
+              <a:t>OFF</a:t>
+            </a:r>
+            <a:endParaRPr lang="en-US" sz="1400" dirty="0"/>
           </a:p>
         </p:txBody>
       </p:sp>
@@ -8044,7 +8082,7 @@
         <p:spPr>
           <a:xfrm>
             <a:off x="152400" y="3203033"/>
-            <a:ext cx="4548168" cy="738664"/>
+            <a:ext cx="4548168" cy="954107"/>
           </a:xfrm>
           <a:prstGeom prst="rect">
             <a:avLst/>
@@ -8073,9 +8111,28 @@
               <a:buChar char="•"/>
             </a:pPr>
             <a:r>
+              <a:rPr lang="en-US" sz="1400" dirty="0"/>
+              <a:t>LED 1 -&gt; LED 8</a:t>
+            </a:r>
+          </a:p>
+          <a:p>
+            <a:pPr marL="1200150" lvl="2" indent="-285750">
+              <a:buFont typeface="Arial" panose="020B0604020202020204" pitchFamily="34" charset="0"/>
+              <a:buChar char="•"/>
+            </a:pPr>
+            <a:r>
               <a:rPr lang="en-US" sz="1400" dirty="0" smtClean="0"/>
-              <a:t>??</a:t>
-            </a:r>
+              <a:t>Line</a:t>
+            </a:r>
+            <a:r>
+              <a:rPr lang="en-US" sz="1400" dirty="0"/>
+              <a:t>: 1 = ON, 0 = </a:t>
+            </a:r>
+            <a:r>
+              <a:rPr lang="en-US" sz="1400" dirty="0" smtClean="0"/>
+              <a:t>OFF</a:t>
+            </a:r>
+            <a:endParaRPr lang="en-US" sz="1400" dirty="0" smtClean="0"/>
           </a:p>
           <a:p>
             <a:pPr marL="1200150" lvl="2" indent="-285750">
@@ -8125,8 +8182,13 @@
             </a:pPr>
             <a:r>
               <a:rPr lang="en-US" sz="1400" dirty="0" smtClean="0"/>
-              <a:t>Bank ??</a:t>
-            </a:r>
+              <a:t>Bank </a:t>
+            </a:r>
+            <a:r>
+              <a:rPr lang="en-US" sz="1400" dirty="0" smtClean="0"/>
+              <a:t>0x00</a:t>
+            </a:r>
+            <a:endParaRPr lang="en-US" sz="1400" dirty="0" smtClean="0"/>
           </a:p>
         </p:txBody>
       </p:sp>
@@ -9324,16 +9386,50 @@
           </a:fontRef>
         </p:style>
       </p:cxnSp>
-      <p:sp>
-        <p:nvSpPr>
-          <p:cNvPr id="3" name="TextBox 2"/>
+      <p:cxnSp>
+        <p:nvCxnSpPr>
+          <p:cNvPr id="35" name="Straight Arrow Connector 34"/>
+          <p:cNvCxnSpPr/>
+          <p:nvPr/>
+        </p:nvCxnSpPr>
+        <p:spPr>
+          <a:xfrm>
+            <a:off x="4674226" y="5558590"/>
+            <a:ext cx="274320" cy="0"/>
+          </a:xfrm>
+          <a:prstGeom prst="straightConnector1">
+            <a:avLst/>
+          </a:prstGeom>
+          <a:ln w="28575">
+            <a:headEnd type="triangle"/>
+            <a:tailEnd type="triangle"/>
+          </a:ln>
+        </p:spPr>
+        <p:style>
+          <a:lnRef idx="1">
+            <a:schemeClr val="accent1"/>
+          </a:lnRef>
+          <a:fillRef idx="0">
+            <a:schemeClr val="accent1"/>
+          </a:fillRef>
+          <a:effectRef idx="0">
+            <a:schemeClr val="accent1"/>
+          </a:effectRef>
+          <a:fontRef idx="minor">
+            <a:schemeClr val="tx1"/>
+          </a:fontRef>
+        </p:style>
+      </p:cxnSp>
+      <p:sp>
+        <p:nvSpPr>
+          <p:cNvPr id="36" name="TextBox 35"/>
           <p:cNvSpPr txBox="1"/>
           <p:nvPr/>
         </p:nvSpPr>
         <p:spPr>
           <a:xfrm>
-            <a:off x="6858000" y="5758934"/>
-            <a:ext cx="399468" cy="369332"/>
+            <a:off x="4490792" y="5850521"/>
+            <a:ext cx="554960" cy="276999"/>
           </a:xfrm>
           <a:prstGeom prst="rect">
             <a:avLst/>
@@ -9347,23 +9443,95 @@
           <a:lstStyle/>
           <a:p>
             <a:r>
-              <a:rPr lang="en-US" dirty="0" smtClean="0"/>
-              <a:t>??</a:t>
-            </a:r>
-            <a:endParaRPr lang="en-US" dirty="0"/>
-          </a:p>
-        </p:txBody>
-      </p:sp>
-      <p:sp>
-        <p:nvSpPr>
-          <p:cNvPr id="47" name="TextBox 46"/>
+              <a:rPr lang="en-US" sz="1200" dirty="0" smtClean="0"/>
+              <a:t>Line 1</a:t>
+            </a:r>
+            <a:endParaRPr lang="en-US" sz="1200" dirty="0"/>
+          </a:p>
+        </p:txBody>
+      </p:sp>
+      <p:cxnSp>
+        <p:nvCxnSpPr>
+          <p:cNvPr id="37" name="Straight Arrow Connector 36"/>
+          <p:cNvCxnSpPr>
+            <a:stCxn id="36" idx="0"/>
+          </p:cNvCxnSpPr>
+          <p:nvPr/>
+        </p:nvCxnSpPr>
+        <p:spPr>
+          <a:xfrm flipV="1">
+            <a:off x="4768272" y="5601163"/>
+            <a:ext cx="29273" cy="249358"/>
+          </a:xfrm>
+          <a:prstGeom prst="straightConnector1">
+            <a:avLst/>
+          </a:prstGeom>
+          <a:ln>
+            <a:solidFill>
+              <a:schemeClr val="tx1"/>
+            </a:solidFill>
+            <a:tailEnd type="triangle"/>
+          </a:ln>
+        </p:spPr>
+        <p:style>
+          <a:lnRef idx="1">
+            <a:schemeClr val="accent1"/>
+          </a:lnRef>
+          <a:fillRef idx="0">
+            <a:schemeClr val="accent1"/>
+          </a:fillRef>
+          <a:effectRef idx="0">
+            <a:schemeClr val="accent1"/>
+          </a:effectRef>
+          <a:fontRef idx="minor">
+            <a:schemeClr val="tx1"/>
+          </a:fontRef>
+        </p:style>
+      </p:cxnSp>
+      <p:cxnSp>
+        <p:nvCxnSpPr>
+          <p:cNvPr id="38" name="Straight Arrow Connector 37"/>
+          <p:cNvCxnSpPr/>
+          <p:nvPr/>
+        </p:nvCxnSpPr>
+        <p:spPr>
+          <a:xfrm>
+            <a:off x="2750327" y="5530104"/>
+            <a:ext cx="274320" cy="0"/>
+          </a:xfrm>
+          <a:prstGeom prst="straightConnector1">
+            <a:avLst/>
+          </a:prstGeom>
+          <a:ln w="28575">
+            <a:headEnd type="triangle"/>
+            <a:tailEnd type="triangle"/>
+          </a:ln>
+        </p:spPr>
+        <p:style>
+          <a:lnRef idx="1">
+            <a:schemeClr val="accent1"/>
+          </a:lnRef>
+          <a:fillRef idx="0">
+            <a:schemeClr val="accent1"/>
+          </a:fillRef>
+          <a:effectRef idx="0">
+            <a:schemeClr val="accent1"/>
+          </a:effectRef>
+          <a:fontRef idx="minor">
+            <a:schemeClr val="tx1"/>
+          </a:fontRef>
+        </p:style>
+      </p:cxnSp>
+      <p:sp>
+        <p:nvSpPr>
+          <p:cNvPr id="39" name="TextBox 38"/>
           <p:cNvSpPr txBox="1"/>
           <p:nvPr/>
         </p:nvSpPr>
         <p:spPr>
           <a:xfrm>
-            <a:off x="2475411" y="5642457"/>
-            <a:ext cx="399468" cy="369332"/>
+            <a:off x="2566893" y="5822035"/>
+            <a:ext cx="554960" cy="276999"/>
           </a:xfrm>
           <a:prstGeom prst="rect">
             <a:avLst/>
@@ -9377,10 +9545,82 @@
           <a:lstStyle/>
           <a:p>
             <a:r>
-              <a:rPr lang="en-US" dirty="0" smtClean="0"/>
-              <a:t>??</a:t>
-            </a:r>
-            <a:endParaRPr lang="en-US" dirty="0"/>
+              <a:rPr lang="en-US" sz="1200" dirty="0" smtClean="0"/>
+              <a:t>Line </a:t>
+            </a:r>
+            <a:r>
+              <a:rPr lang="en-US" sz="1200" dirty="0"/>
+              <a:t>8</a:t>
+            </a:r>
+            <a:endParaRPr lang="en-US" sz="1200" dirty="0"/>
+          </a:p>
+        </p:txBody>
+      </p:sp>
+      <p:cxnSp>
+        <p:nvCxnSpPr>
+          <p:cNvPr id="40" name="Straight Arrow Connector 39"/>
+          <p:cNvCxnSpPr>
+            <a:stCxn id="39" idx="0"/>
+          </p:cNvCxnSpPr>
+          <p:nvPr/>
+        </p:nvCxnSpPr>
+        <p:spPr>
+          <a:xfrm flipV="1">
+            <a:off x="2844373" y="5572677"/>
+            <a:ext cx="29274" cy="249358"/>
+          </a:xfrm>
+          <a:prstGeom prst="straightConnector1">
+            <a:avLst/>
+          </a:prstGeom>
+          <a:ln>
+            <a:solidFill>
+              <a:schemeClr val="tx1"/>
+            </a:solidFill>
+            <a:tailEnd type="triangle"/>
+          </a:ln>
+        </p:spPr>
+        <p:style>
+          <a:lnRef idx="1">
+            <a:schemeClr val="accent1"/>
+          </a:lnRef>
+          <a:fillRef idx="0">
+            <a:schemeClr val="accent1"/>
+          </a:fillRef>
+          <a:effectRef idx="0">
+            <a:schemeClr val="accent1"/>
+          </a:effectRef>
+          <a:fontRef idx="minor">
+            <a:schemeClr val="tx1"/>
+          </a:fontRef>
+        </p:style>
+      </p:cxnSp>
+      <p:sp>
+        <p:nvSpPr>
+          <p:cNvPr id="41" name="TextBox 40"/>
+          <p:cNvSpPr txBox="1"/>
+          <p:nvPr/>
+        </p:nvSpPr>
+        <p:spPr>
+          <a:xfrm>
+            <a:off x="3974268" y="5346075"/>
+            <a:ext cx="910150" cy="276999"/>
+          </a:xfrm>
+          <a:prstGeom prst="rect">
+            <a:avLst/>
+          </a:prstGeom>
+          <a:noFill/>
+        </p:spPr>
+        <p:txBody>
+          <a:bodyPr wrap="square" rtlCol="0">
+            <a:spAutoFit/>
+          </a:bodyPr>
+          <a:lstStyle/>
+          <a:p>
+            <a:r>
+              <a:rPr lang="en-US" sz="1200" dirty="0" smtClean="0"/>
+              <a:t>…</a:t>
+            </a:r>
+            <a:endParaRPr lang="en-US" sz="1200" dirty="0"/>
           </a:p>
         </p:txBody>
       </p:sp>

--- a/Documentation/SPI Communication.pptx
+++ b/Documentation/SPI Communication.pptx
@@ -318,7 +318,7 @@
             <a:fld id="{3935A81C-4AC1-4479-8944-3B69A4CAD9EC}" type="datetimeFigureOut">
               <a:rPr lang="en-US" smtClean="0"/>
               <a:pPr/>
-              <a:t>6/3/2015</a:t>
+              <a:t>6/7/2015</a:t>
             </a:fld>
             <a:endParaRPr lang="en-US"/>
           </a:p>
@@ -485,7 +485,7 @@
             <a:fld id="{3935A81C-4AC1-4479-8944-3B69A4CAD9EC}" type="datetimeFigureOut">
               <a:rPr lang="en-US" smtClean="0"/>
               <a:pPr/>
-              <a:t>6/3/2015</a:t>
+              <a:t>6/7/2015</a:t>
             </a:fld>
             <a:endParaRPr lang="en-US"/>
           </a:p>
@@ -662,7 +662,7 @@
             <a:fld id="{3935A81C-4AC1-4479-8944-3B69A4CAD9EC}" type="datetimeFigureOut">
               <a:rPr lang="en-US" smtClean="0"/>
               <a:pPr/>
-              <a:t>6/3/2015</a:t>
+              <a:t>6/7/2015</a:t>
             </a:fld>
             <a:endParaRPr lang="en-US"/>
           </a:p>
@@ -829,7 +829,7 @@
             <a:fld id="{3935A81C-4AC1-4479-8944-3B69A4CAD9EC}" type="datetimeFigureOut">
               <a:rPr lang="en-US" smtClean="0"/>
               <a:pPr/>
-              <a:t>6/3/2015</a:t>
+              <a:t>6/7/2015</a:t>
             </a:fld>
             <a:endParaRPr lang="en-US"/>
           </a:p>
@@ -1072,7 +1072,7 @@
             <a:fld id="{3935A81C-4AC1-4479-8944-3B69A4CAD9EC}" type="datetimeFigureOut">
               <a:rPr lang="en-US" smtClean="0"/>
               <a:pPr/>
-              <a:t>6/3/2015</a:t>
+              <a:t>6/7/2015</a:t>
             </a:fld>
             <a:endParaRPr lang="en-US"/>
           </a:p>
@@ -1357,7 +1357,7 @@
             <a:fld id="{3935A81C-4AC1-4479-8944-3B69A4CAD9EC}" type="datetimeFigureOut">
               <a:rPr lang="en-US" smtClean="0"/>
               <a:pPr/>
-              <a:t>6/3/2015</a:t>
+              <a:t>6/7/2015</a:t>
             </a:fld>
             <a:endParaRPr lang="en-US"/>
           </a:p>
@@ -1776,7 +1776,7 @@
             <a:fld id="{3935A81C-4AC1-4479-8944-3B69A4CAD9EC}" type="datetimeFigureOut">
               <a:rPr lang="en-US" smtClean="0"/>
               <a:pPr/>
-              <a:t>6/3/2015</a:t>
+              <a:t>6/7/2015</a:t>
             </a:fld>
             <a:endParaRPr lang="en-US"/>
           </a:p>
@@ -1891,7 +1891,7 @@
             <a:fld id="{3935A81C-4AC1-4479-8944-3B69A4CAD9EC}" type="datetimeFigureOut">
               <a:rPr lang="en-US" smtClean="0"/>
               <a:pPr/>
-              <a:t>6/3/2015</a:t>
+              <a:t>6/7/2015</a:t>
             </a:fld>
             <a:endParaRPr lang="en-US"/>
           </a:p>
@@ -1983,7 +1983,7 @@
             <a:fld id="{3935A81C-4AC1-4479-8944-3B69A4CAD9EC}" type="datetimeFigureOut">
               <a:rPr lang="en-US" smtClean="0"/>
               <a:pPr/>
-              <a:t>6/3/2015</a:t>
+              <a:t>6/7/2015</a:t>
             </a:fld>
             <a:endParaRPr lang="en-US"/>
           </a:p>
@@ -2257,7 +2257,7 @@
             <a:fld id="{3935A81C-4AC1-4479-8944-3B69A4CAD9EC}" type="datetimeFigureOut">
               <a:rPr lang="en-US" smtClean="0"/>
               <a:pPr/>
-              <a:t>6/3/2015</a:t>
+              <a:t>6/7/2015</a:t>
             </a:fld>
             <a:endParaRPr lang="en-US"/>
           </a:p>
@@ -2507,7 +2507,7 @@
             <a:fld id="{3935A81C-4AC1-4479-8944-3B69A4CAD9EC}" type="datetimeFigureOut">
               <a:rPr lang="en-US" smtClean="0"/>
               <a:pPr/>
-              <a:t>6/3/2015</a:t>
+              <a:t>6/7/2015</a:t>
             </a:fld>
             <a:endParaRPr lang="en-US"/>
           </a:p>
@@ -2717,7 +2717,7 @@
             <a:fld id="{3935A81C-4AC1-4479-8944-3B69A4CAD9EC}" type="datetimeFigureOut">
               <a:rPr lang="en-US" smtClean="0"/>
               <a:pPr/>
-              <a:t>6/3/2015</a:t>
+              <a:t>6/7/2015</a:t>
             </a:fld>
             <a:endParaRPr lang="en-US"/>
           </a:p>
@@ -3207,8 +3207,21 @@
             </a:pPr>
             <a:r>
               <a:rPr lang="en-US" sz="1400" dirty="0" smtClean="0"/>
-              <a:t>Line: Input = 1 or Output = 0</a:t>
-            </a:r>
+              <a:t>Line: Input </a:t>
+            </a:r>
+            <a:r>
+              <a:rPr lang="en-US" sz="1400" smtClean="0"/>
+              <a:t>= 0 </a:t>
+            </a:r>
+            <a:r>
+              <a:rPr lang="en-US" sz="1400" dirty="0" smtClean="0"/>
+              <a:t>or Output </a:t>
+            </a:r>
+            <a:r>
+              <a:rPr lang="en-US" sz="1400" smtClean="0"/>
+              <a:t>= 1</a:t>
+            </a:r>
+            <a:endParaRPr lang="en-US" sz="1400" dirty="0" smtClean="0"/>
           </a:p>
         </p:txBody>
       </p:sp>
@@ -8006,13 +8019,8 @@
             </a:pPr>
             <a:r>
               <a:rPr lang="en-US" sz="1400" dirty="0" smtClean="0"/>
-              <a:t>Slot </a:t>
-            </a:r>
-            <a:r>
-              <a:rPr lang="en-US" sz="1400" dirty="0" smtClean="0"/>
-              <a:t>0 only</a:t>
-            </a:r>
-            <a:endParaRPr lang="en-US" sz="1400" dirty="0" smtClean="0"/>
+              <a:t>Slot 0 only</a:t>
+            </a:r>
           </a:p>
           <a:p>
             <a:pPr marL="742950" lvl="1" indent="-285750">
@@ -8132,7 +8140,6 @@
               <a:rPr lang="en-US" sz="1400" dirty="0" smtClean="0"/>
               <a:t>OFF</a:t>
             </a:r>
-            <a:endParaRPr lang="en-US" sz="1400" dirty="0" smtClean="0"/>
           </a:p>
           <a:p>
             <a:pPr marL="1200150" lvl="2" indent="-285750">
@@ -8182,13 +8189,8 @@
             </a:pPr>
             <a:r>
               <a:rPr lang="en-US" sz="1400" dirty="0" smtClean="0"/>
-              <a:t>Bank </a:t>
-            </a:r>
-            <a:r>
-              <a:rPr lang="en-US" sz="1400" dirty="0" smtClean="0"/>
-              <a:t>0x00</a:t>
-            </a:r>
-            <a:endParaRPr lang="en-US" sz="1400" dirty="0" smtClean="0"/>
+              <a:t>Bank 0x00</a:t>
+            </a:r>
           </a:p>
         </p:txBody>
       </p:sp>
@@ -8594,7 +8596,7 @@
             <a:avLst/>
           </a:prstGeom>
           <a:solidFill>
-            <a:schemeClr val="bg1"/>
+            <a:schemeClr val="tx1"/>
           </a:solidFill>
         </p:spPr>
         <p:style>
@@ -8641,7 +8643,7 @@
             <a:avLst/>
           </a:prstGeom>
           <a:solidFill>
-            <a:schemeClr val="bg1"/>
+            <a:schemeClr val="tx1"/>
           </a:solidFill>
         </p:spPr>
         <p:style>
@@ -8684,7 +8686,7 @@
             <a:avLst/>
           </a:prstGeom>
           <a:solidFill>
-            <a:schemeClr val="bg1"/>
+            <a:schemeClr val="tx1"/>
           </a:solidFill>
         </p:spPr>
         <p:style>
@@ -8727,7 +8729,7 @@
             <a:avLst/>
           </a:prstGeom>
           <a:solidFill>
-            <a:schemeClr val="bg1"/>
+            <a:schemeClr val="tx1"/>
           </a:solidFill>
         </p:spPr>
         <p:style>
@@ -8770,7 +8772,7 @@
             <a:avLst/>
           </a:prstGeom>
           <a:solidFill>
-            <a:schemeClr val="bg1"/>
+            <a:schemeClr val="tx1"/>
           </a:solidFill>
         </p:spPr>
         <p:style>
@@ -8817,7 +8819,7 @@
             <a:avLst/>
           </a:prstGeom>
           <a:solidFill>
-            <a:schemeClr val="bg1"/>
+            <a:schemeClr val="tx1"/>
           </a:solidFill>
         </p:spPr>
         <p:style>
@@ -8860,7 +8862,7 @@
             <a:avLst/>
           </a:prstGeom>
           <a:solidFill>
-            <a:schemeClr val="bg1"/>
+            <a:schemeClr val="tx1"/>
           </a:solidFill>
         </p:spPr>
         <p:style>
@@ -8903,7 +8905,7 @@
             <a:avLst/>
           </a:prstGeom>
           <a:solidFill>
-            <a:schemeClr val="bg1"/>
+            <a:schemeClr val="tx1"/>
           </a:solidFill>
         </p:spPr>
         <p:style>
@@ -9552,7 +9554,6 @@
               <a:rPr lang="en-US" sz="1200" dirty="0"/>
               <a:t>8</a:t>
             </a:r>
-            <a:endParaRPr lang="en-US" sz="1200" dirty="0"/>
           </a:p>
         </p:txBody>
       </p:sp>
@@ -9773,7 +9774,7 @@
           <a:p>
             <a:r>
               <a:rPr lang="en-US" dirty="0" smtClean="0"/>
-              <a:t>FIU (LS-2-2611/LS-2-2610)</a:t>
+              <a:t>FIU (LS-2-2502/LS-2-2501)</a:t>
             </a:r>
             <a:endParaRPr lang="en-US" dirty="0"/>
           </a:p>
@@ -10319,1265 +10320,1250 @@
           </a:fontRef>
         </p:style>
       </p:cxnSp>
-      <p:grpSp>
-        <p:nvGrpSpPr>
-          <p:cNvPr id="63" name="Group 62"/>
-          <p:cNvGrpSpPr/>
-          <p:nvPr/>
-        </p:nvGrpSpPr>
-        <p:grpSpPr>
-          <a:xfrm>
-            <a:off x="381000" y="4622800"/>
-            <a:ext cx="5037909" cy="1682521"/>
-            <a:chOff x="729458" y="4362334"/>
-            <a:chExt cx="5037909" cy="1682521"/>
-          </a:xfrm>
-        </p:grpSpPr>
-        <p:sp>
-          <p:nvSpPr>
-            <p:cNvPr id="8" name="TextBox 7"/>
-            <p:cNvSpPr txBox="1"/>
-            <p:nvPr/>
-          </p:nvSpPr>
-          <p:spPr>
-            <a:xfrm>
-              <a:off x="1576367" y="4362334"/>
-              <a:ext cx="4191000" cy="523220"/>
-            </a:xfrm>
-            <a:prstGeom prst="rect">
-              <a:avLst/>
-            </a:prstGeom>
-            <a:noFill/>
-          </p:spPr>
-          <p:txBody>
-            <a:bodyPr wrap="square" rtlCol="0">
-              <a:spAutoFit/>
-            </a:bodyPr>
-            <a:lstStyle/>
-            <a:p>
-              <a:r>
-                <a:rPr lang="en-US" sz="1400" dirty="0" smtClean="0"/>
-                <a:t>MCP23S17 Digital Pin Configuration</a:t>
-              </a:r>
-            </a:p>
-            <a:p>
-              <a:pPr marL="742950" lvl="1" indent="-285750">
-                <a:buFont typeface="Arial" panose="020B0604020202020204" pitchFamily="34" charset="0"/>
-                <a:buChar char="•"/>
-              </a:pPr>
-              <a:endParaRPr lang="en-US" sz="1400" dirty="0" smtClean="0"/>
-            </a:p>
-          </p:txBody>
-        </p:sp>
-        <p:sp>
-          <p:nvSpPr>
-            <p:cNvPr id="9" name="Rectangle 8"/>
-            <p:cNvSpPr/>
-            <p:nvPr/>
-          </p:nvSpPr>
-          <p:spPr>
-            <a:xfrm>
-              <a:off x="881858" y="4885554"/>
-              <a:ext cx="274320" cy="274320"/>
-            </a:xfrm>
-            <a:prstGeom prst="rect">
-              <a:avLst/>
-            </a:prstGeom>
-            <a:solidFill>
-              <a:schemeClr val="bg1"/>
-            </a:solidFill>
-          </p:spPr>
-          <p:style>
-            <a:lnRef idx="2">
-              <a:schemeClr val="accent1">
-                <a:shade val="50000"/>
-              </a:schemeClr>
-            </a:lnRef>
-            <a:fillRef idx="1">
-              <a:schemeClr val="accent1"/>
-            </a:fillRef>
-            <a:effectRef idx="0">
-              <a:schemeClr val="accent1"/>
-            </a:effectRef>
-            <a:fontRef idx="minor">
-              <a:schemeClr val="lt1"/>
-            </a:fontRef>
-          </p:style>
-          <p:txBody>
-            <a:bodyPr rtlCol="0" anchor="ctr"/>
-            <a:lstStyle/>
-            <a:p>
-              <a:pPr algn="ctr"/>
-              <a:r>
-                <a:rPr lang="en-US" sz="1000" dirty="0" smtClean="0">
-                  <a:solidFill>
-                    <a:schemeClr val="tx1"/>
-                  </a:solidFill>
-                </a:rPr>
-                <a:t>0</a:t>
-              </a:r>
-              <a:endParaRPr lang="en-US" sz="1000" dirty="0">
+      <p:sp>
+        <p:nvSpPr>
+          <p:cNvPr id="8" name="TextBox 7"/>
+          <p:cNvSpPr txBox="1"/>
+          <p:nvPr/>
+        </p:nvSpPr>
+        <p:spPr>
+          <a:xfrm>
+            <a:off x="1227909" y="4622800"/>
+            <a:ext cx="4191000" cy="523220"/>
+          </a:xfrm>
+          <a:prstGeom prst="rect">
+            <a:avLst/>
+          </a:prstGeom>
+          <a:noFill/>
+        </p:spPr>
+        <p:txBody>
+          <a:bodyPr wrap="square" rtlCol="0">
+            <a:spAutoFit/>
+          </a:bodyPr>
+          <a:lstStyle/>
+          <a:p>
+            <a:r>
+              <a:rPr lang="en-US" sz="1400" dirty="0" smtClean="0"/>
+              <a:t>MCP23S17 Digital Pin Configuration</a:t>
+            </a:r>
+          </a:p>
+          <a:p>
+            <a:pPr marL="742950" lvl="1" indent="-285750">
+              <a:buFont typeface="Arial" panose="020B0604020202020204" pitchFamily="34" charset="0"/>
+              <a:buChar char="•"/>
+            </a:pPr>
+            <a:endParaRPr lang="en-US" sz="1400" dirty="0" smtClean="0"/>
+          </a:p>
+        </p:txBody>
+      </p:sp>
+      <p:sp>
+        <p:nvSpPr>
+          <p:cNvPr id="9" name="Rectangle 8"/>
+          <p:cNvSpPr/>
+          <p:nvPr/>
+        </p:nvSpPr>
+        <p:spPr>
+          <a:xfrm>
+            <a:off x="533400" y="5146020"/>
+            <a:ext cx="274320" cy="274320"/>
+          </a:xfrm>
+          <a:prstGeom prst="rect">
+            <a:avLst/>
+          </a:prstGeom>
+          <a:solidFill>
+            <a:schemeClr val="bg1"/>
+          </a:solidFill>
+        </p:spPr>
+        <p:style>
+          <a:lnRef idx="2">
+            <a:schemeClr val="accent1">
+              <a:shade val="50000"/>
+            </a:schemeClr>
+          </a:lnRef>
+          <a:fillRef idx="1">
+            <a:schemeClr val="accent1"/>
+          </a:fillRef>
+          <a:effectRef idx="0">
+            <a:schemeClr val="accent1"/>
+          </a:effectRef>
+          <a:fontRef idx="minor">
+            <a:schemeClr val="lt1"/>
+          </a:fontRef>
+        </p:style>
+        <p:txBody>
+          <a:bodyPr rtlCol="0" anchor="ctr"/>
+          <a:lstStyle/>
+          <a:p>
+            <a:pPr algn="ctr"/>
+            <a:r>
+              <a:rPr lang="en-US" sz="1000" dirty="0" smtClean="0">
                 <a:solidFill>
                   <a:schemeClr val="tx1"/>
                 </a:solidFill>
-              </a:endParaRPr>
-            </a:p>
-          </p:txBody>
-        </p:sp>
-        <p:sp>
-          <p:nvSpPr>
-            <p:cNvPr id="10" name="Rectangle 9"/>
-            <p:cNvSpPr/>
-            <p:nvPr/>
-          </p:nvSpPr>
-          <p:spPr>
-            <a:xfrm>
-              <a:off x="1156178" y="4885554"/>
-              <a:ext cx="274320" cy="274320"/>
-            </a:xfrm>
-            <a:prstGeom prst="rect">
-              <a:avLst/>
-            </a:prstGeom>
-            <a:solidFill>
-              <a:schemeClr val="bg1"/>
-            </a:solidFill>
-          </p:spPr>
-          <p:style>
-            <a:lnRef idx="2">
-              <a:schemeClr val="accent1">
-                <a:shade val="50000"/>
-              </a:schemeClr>
-            </a:lnRef>
-            <a:fillRef idx="1">
-              <a:schemeClr val="accent1"/>
-            </a:fillRef>
-            <a:effectRef idx="0">
-              <a:schemeClr val="accent1"/>
-            </a:effectRef>
-            <a:fontRef idx="minor">
-              <a:schemeClr val="lt1"/>
-            </a:fontRef>
-          </p:style>
-          <p:txBody>
-            <a:bodyPr rtlCol="0" anchor="ctr"/>
-            <a:lstStyle/>
-            <a:p>
-              <a:pPr algn="ctr"/>
-              <a:endParaRPr lang="en-US"/>
-            </a:p>
-          </p:txBody>
-        </p:sp>
-        <p:sp>
-          <p:nvSpPr>
-            <p:cNvPr id="11" name="Rectangle 10"/>
-            <p:cNvSpPr/>
-            <p:nvPr/>
-          </p:nvSpPr>
-          <p:spPr>
-            <a:xfrm>
-              <a:off x="1430498" y="4885554"/>
-              <a:ext cx="274320" cy="274320"/>
-            </a:xfrm>
-            <a:prstGeom prst="rect">
-              <a:avLst/>
-            </a:prstGeom>
-            <a:solidFill>
-              <a:schemeClr val="bg1"/>
-            </a:solidFill>
-          </p:spPr>
-          <p:style>
-            <a:lnRef idx="2">
-              <a:schemeClr val="accent1">
-                <a:shade val="50000"/>
-              </a:schemeClr>
-            </a:lnRef>
-            <a:fillRef idx="1">
-              <a:schemeClr val="accent1"/>
-            </a:fillRef>
-            <a:effectRef idx="0">
-              <a:schemeClr val="accent1"/>
-            </a:effectRef>
-            <a:fontRef idx="minor">
-              <a:schemeClr val="lt1"/>
-            </a:fontRef>
-          </p:style>
-          <p:txBody>
-            <a:bodyPr rtlCol="0" anchor="ctr"/>
-            <a:lstStyle/>
-            <a:p>
-              <a:pPr algn="ctr"/>
-              <a:endParaRPr lang="en-US"/>
-            </a:p>
-          </p:txBody>
-        </p:sp>
-        <p:sp>
-          <p:nvSpPr>
-            <p:cNvPr id="12" name="Rectangle 11"/>
-            <p:cNvSpPr/>
-            <p:nvPr/>
-          </p:nvSpPr>
-          <p:spPr>
-            <a:xfrm>
-              <a:off x="1704818" y="4885554"/>
-              <a:ext cx="274320" cy="274320"/>
-            </a:xfrm>
-            <a:prstGeom prst="rect">
-              <a:avLst/>
-            </a:prstGeom>
-            <a:solidFill>
-              <a:schemeClr val="bg1"/>
-            </a:solidFill>
-          </p:spPr>
-          <p:style>
-            <a:lnRef idx="2">
-              <a:schemeClr val="accent1">
-                <a:shade val="50000"/>
-              </a:schemeClr>
-            </a:lnRef>
-            <a:fillRef idx="1">
-              <a:schemeClr val="accent1"/>
-            </a:fillRef>
-            <a:effectRef idx="0">
-              <a:schemeClr val="accent1"/>
-            </a:effectRef>
-            <a:fontRef idx="minor">
-              <a:schemeClr val="lt1"/>
-            </a:fontRef>
-          </p:style>
-          <p:txBody>
-            <a:bodyPr rtlCol="0" anchor="ctr"/>
-            <a:lstStyle/>
-            <a:p>
-              <a:pPr algn="ctr"/>
-              <a:endParaRPr lang="en-US"/>
-            </a:p>
-          </p:txBody>
-        </p:sp>
-        <p:sp>
-          <p:nvSpPr>
-            <p:cNvPr id="13" name="Rectangle 12"/>
-            <p:cNvSpPr/>
-            <p:nvPr/>
-          </p:nvSpPr>
-          <p:spPr>
-            <a:xfrm>
-              <a:off x="1979138" y="4885554"/>
-              <a:ext cx="274320" cy="274320"/>
-            </a:xfrm>
-            <a:prstGeom prst="rect">
-              <a:avLst/>
-            </a:prstGeom>
-            <a:solidFill>
-              <a:schemeClr val="bg1"/>
-            </a:solidFill>
-          </p:spPr>
-          <p:style>
-            <a:lnRef idx="2">
-              <a:schemeClr val="accent1">
-                <a:shade val="50000"/>
-              </a:schemeClr>
-            </a:lnRef>
-            <a:fillRef idx="1">
-              <a:schemeClr val="accent1"/>
-            </a:fillRef>
-            <a:effectRef idx="0">
-              <a:schemeClr val="accent1"/>
-            </a:effectRef>
-            <a:fontRef idx="minor">
-              <a:schemeClr val="lt1"/>
-            </a:fontRef>
-          </p:style>
-          <p:txBody>
-            <a:bodyPr rtlCol="0" anchor="ctr"/>
-            <a:lstStyle/>
-            <a:p>
-              <a:pPr algn="ctr"/>
-              <a:r>
-                <a:rPr lang="en-US" sz="1000" dirty="0" smtClean="0">
-                  <a:solidFill>
-                    <a:schemeClr val="tx1"/>
-                  </a:solidFill>
-                </a:rPr>
-                <a:t>0</a:t>
-              </a:r>
-              <a:endParaRPr lang="en-US" sz="1000" dirty="0">
+              </a:rPr>
+              <a:t>0</a:t>
+            </a:r>
+            <a:endParaRPr lang="en-US" sz="1000" dirty="0">
+              <a:solidFill>
+                <a:schemeClr val="tx1"/>
+              </a:solidFill>
+            </a:endParaRPr>
+          </a:p>
+        </p:txBody>
+      </p:sp>
+      <p:sp>
+        <p:nvSpPr>
+          <p:cNvPr id="10" name="Rectangle 9"/>
+          <p:cNvSpPr/>
+          <p:nvPr/>
+        </p:nvSpPr>
+        <p:spPr>
+          <a:xfrm>
+            <a:off x="807720" y="5146020"/>
+            <a:ext cx="274320" cy="274320"/>
+          </a:xfrm>
+          <a:prstGeom prst="rect">
+            <a:avLst/>
+          </a:prstGeom>
+          <a:solidFill>
+            <a:schemeClr val="bg1"/>
+          </a:solidFill>
+        </p:spPr>
+        <p:style>
+          <a:lnRef idx="2">
+            <a:schemeClr val="accent1">
+              <a:shade val="50000"/>
+            </a:schemeClr>
+          </a:lnRef>
+          <a:fillRef idx="1">
+            <a:schemeClr val="accent1"/>
+          </a:fillRef>
+          <a:effectRef idx="0">
+            <a:schemeClr val="accent1"/>
+          </a:effectRef>
+          <a:fontRef idx="minor">
+            <a:schemeClr val="lt1"/>
+          </a:fontRef>
+        </p:style>
+        <p:txBody>
+          <a:bodyPr rtlCol="0" anchor="ctr"/>
+          <a:lstStyle/>
+          <a:p>
+            <a:pPr algn="ctr"/>
+            <a:endParaRPr lang="en-US"/>
+          </a:p>
+        </p:txBody>
+      </p:sp>
+      <p:sp>
+        <p:nvSpPr>
+          <p:cNvPr id="11" name="Rectangle 10"/>
+          <p:cNvSpPr/>
+          <p:nvPr/>
+        </p:nvSpPr>
+        <p:spPr>
+          <a:xfrm>
+            <a:off x="1082040" y="5146020"/>
+            <a:ext cx="274320" cy="274320"/>
+          </a:xfrm>
+          <a:prstGeom prst="rect">
+            <a:avLst/>
+          </a:prstGeom>
+          <a:solidFill>
+            <a:schemeClr val="bg1"/>
+          </a:solidFill>
+        </p:spPr>
+        <p:style>
+          <a:lnRef idx="2">
+            <a:schemeClr val="accent1">
+              <a:shade val="50000"/>
+            </a:schemeClr>
+          </a:lnRef>
+          <a:fillRef idx="1">
+            <a:schemeClr val="accent1"/>
+          </a:fillRef>
+          <a:effectRef idx="0">
+            <a:schemeClr val="accent1"/>
+          </a:effectRef>
+          <a:fontRef idx="minor">
+            <a:schemeClr val="lt1"/>
+          </a:fontRef>
+        </p:style>
+        <p:txBody>
+          <a:bodyPr rtlCol="0" anchor="ctr"/>
+          <a:lstStyle/>
+          <a:p>
+            <a:pPr algn="ctr"/>
+            <a:endParaRPr lang="en-US"/>
+          </a:p>
+        </p:txBody>
+      </p:sp>
+      <p:sp>
+        <p:nvSpPr>
+          <p:cNvPr id="12" name="Rectangle 11"/>
+          <p:cNvSpPr/>
+          <p:nvPr/>
+        </p:nvSpPr>
+        <p:spPr>
+          <a:xfrm>
+            <a:off x="1356360" y="5146020"/>
+            <a:ext cx="274320" cy="274320"/>
+          </a:xfrm>
+          <a:prstGeom prst="rect">
+            <a:avLst/>
+          </a:prstGeom>
+          <a:solidFill>
+            <a:schemeClr val="bg1"/>
+          </a:solidFill>
+        </p:spPr>
+        <p:style>
+          <a:lnRef idx="2">
+            <a:schemeClr val="accent1">
+              <a:shade val="50000"/>
+            </a:schemeClr>
+          </a:lnRef>
+          <a:fillRef idx="1">
+            <a:schemeClr val="accent1"/>
+          </a:fillRef>
+          <a:effectRef idx="0">
+            <a:schemeClr val="accent1"/>
+          </a:effectRef>
+          <a:fontRef idx="minor">
+            <a:schemeClr val="lt1"/>
+          </a:fontRef>
+        </p:style>
+        <p:txBody>
+          <a:bodyPr rtlCol="0" anchor="ctr"/>
+          <a:lstStyle/>
+          <a:p>
+            <a:pPr algn="ctr"/>
+            <a:endParaRPr lang="en-US"/>
+          </a:p>
+        </p:txBody>
+      </p:sp>
+      <p:sp>
+        <p:nvSpPr>
+          <p:cNvPr id="13" name="Rectangle 12"/>
+          <p:cNvSpPr/>
+          <p:nvPr/>
+        </p:nvSpPr>
+        <p:spPr>
+          <a:xfrm>
+            <a:off x="1630680" y="5146020"/>
+            <a:ext cx="274320" cy="274320"/>
+          </a:xfrm>
+          <a:prstGeom prst="rect">
+            <a:avLst/>
+          </a:prstGeom>
+          <a:solidFill>
+            <a:schemeClr val="bg1"/>
+          </a:solidFill>
+        </p:spPr>
+        <p:style>
+          <a:lnRef idx="2">
+            <a:schemeClr val="accent1">
+              <a:shade val="50000"/>
+            </a:schemeClr>
+          </a:lnRef>
+          <a:fillRef idx="1">
+            <a:schemeClr val="accent1"/>
+          </a:fillRef>
+          <a:effectRef idx="0">
+            <a:schemeClr val="accent1"/>
+          </a:effectRef>
+          <a:fontRef idx="minor">
+            <a:schemeClr val="lt1"/>
+          </a:fontRef>
+        </p:style>
+        <p:txBody>
+          <a:bodyPr rtlCol="0" anchor="ctr"/>
+          <a:lstStyle/>
+          <a:p>
+            <a:pPr algn="ctr"/>
+            <a:r>
+              <a:rPr lang="en-US" sz="1000" dirty="0" smtClean="0">
                 <a:solidFill>
                   <a:schemeClr val="tx1"/>
                 </a:solidFill>
-              </a:endParaRPr>
-            </a:p>
-          </p:txBody>
-        </p:sp>
-        <p:sp>
-          <p:nvSpPr>
-            <p:cNvPr id="14" name="Rectangle 13"/>
-            <p:cNvSpPr/>
-            <p:nvPr/>
-          </p:nvSpPr>
-          <p:spPr>
-            <a:xfrm>
-              <a:off x="2253458" y="4885554"/>
-              <a:ext cx="274320" cy="274320"/>
-            </a:xfrm>
-            <a:prstGeom prst="rect">
-              <a:avLst/>
-            </a:prstGeom>
-            <a:solidFill>
-              <a:schemeClr val="bg1"/>
-            </a:solidFill>
-          </p:spPr>
-          <p:style>
-            <a:lnRef idx="2">
-              <a:schemeClr val="accent1">
-                <a:shade val="50000"/>
-              </a:schemeClr>
-            </a:lnRef>
-            <a:fillRef idx="1">
-              <a:schemeClr val="accent1"/>
-            </a:fillRef>
-            <a:effectRef idx="0">
-              <a:schemeClr val="accent1"/>
-            </a:effectRef>
-            <a:fontRef idx="minor">
-              <a:schemeClr val="lt1"/>
-            </a:fontRef>
-          </p:style>
-          <p:txBody>
-            <a:bodyPr rtlCol="0" anchor="ctr"/>
-            <a:lstStyle/>
-            <a:p>
-              <a:pPr algn="ctr"/>
-              <a:endParaRPr lang="en-US"/>
-            </a:p>
-          </p:txBody>
-        </p:sp>
-        <p:sp>
-          <p:nvSpPr>
-            <p:cNvPr id="15" name="Rectangle 14"/>
-            <p:cNvSpPr/>
-            <p:nvPr/>
-          </p:nvSpPr>
-          <p:spPr>
-            <a:xfrm>
-              <a:off x="2527778" y="4885554"/>
-              <a:ext cx="274320" cy="274320"/>
-            </a:xfrm>
-            <a:prstGeom prst="rect">
-              <a:avLst/>
-            </a:prstGeom>
-            <a:solidFill>
-              <a:schemeClr val="bg1"/>
-            </a:solidFill>
-          </p:spPr>
-          <p:style>
-            <a:lnRef idx="2">
-              <a:schemeClr val="accent1">
-                <a:shade val="50000"/>
-              </a:schemeClr>
-            </a:lnRef>
-            <a:fillRef idx="1">
-              <a:schemeClr val="accent1"/>
-            </a:fillRef>
-            <a:effectRef idx="0">
-              <a:schemeClr val="accent1"/>
-            </a:effectRef>
-            <a:fontRef idx="minor">
-              <a:schemeClr val="lt1"/>
-            </a:fontRef>
-          </p:style>
-          <p:txBody>
-            <a:bodyPr rtlCol="0" anchor="ctr"/>
-            <a:lstStyle/>
-            <a:p>
-              <a:pPr algn="ctr"/>
-              <a:endParaRPr lang="en-US"/>
-            </a:p>
-          </p:txBody>
-        </p:sp>
-        <p:sp>
-          <p:nvSpPr>
-            <p:cNvPr id="16" name="Rectangle 15"/>
-            <p:cNvSpPr/>
-            <p:nvPr/>
-          </p:nvSpPr>
-          <p:spPr>
-            <a:xfrm>
-              <a:off x="2802098" y="4885554"/>
-              <a:ext cx="274320" cy="274320"/>
-            </a:xfrm>
-            <a:prstGeom prst="rect">
-              <a:avLst/>
-            </a:prstGeom>
-            <a:solidFill>
-              <a:schemeClr val="bg1"/>
-            </a:solidFill>
-          </p:spPr>
-          <p:style>
-            <a:lnRef idx="2">
-              <a:schemeClr val="accent1">
-                <a:shade val="50000"/>
-              </a:schemeClr>
-            </a:lnRef>
-            <a:fillRef idx="1">
-              <a:schemeClr val="accent1"/>
-            </a:fillRef>
-            <a:effectRef idx="0">
-              <a:schemeClr val="accent1"/>
-            </a:effectRef>
-            <a:fontRef idx="minor">
-              <a:schemeClr val="lt1"/>
-            </a:fontRef>
-          </p:style>
-          <p:txBody>
-            <a:bodyPr rtlCol="0" anchor="ctr"/>
-            <a:lstStyle/>
-            <a:p>
-              <a:pPr algn="ctr"/>
-              <a:endParaRPr lang="en-US"/>
-            </a:p>
-          </p:txBody>
-        </p:sp>
-        <p:sp>
-          <p:nvSpPr>
-            <p:cNvPr id="17" name="Rectangle 16"/>
-            <p:cNvSpPr/>
-            <p:nvPr/>
-          </p:nvSpPr>
-          <p:spPr>
-            <a:xfrm>
-              <a:off x="3076418" y="4885554"/>
-              <a:ext cx="274320" cy="274320"/>
-            </a:xfrm>
-            <a:prstGeom prst="rect">
-              <a:avLst/>
-            </a:prstGeom>
-            <a:solidFill>
-              <a:schemeClr val="bg1"/>
-            </a:solidFill>
-          </p:spPr>
-          <p:style>
-            <a:lnRef idx="2">
-              <a:schemeClr val="accent1">
-                <a:shade val="50000"/>
-              </a:schemeClr>
-            </a:lnRef>
-            <a:fillRef idx="1">
-              <a:schemeClr val="accent1"/>
-            </a:fillRef>
-            <a:effectRef idx="0">
-              <a:schemeClr val="accent1"/>
-            </a:effectRef>
-            <a:fontRef idx="minor">
-              <a:schemeClr val="lt1"/>
-            </a:fontRef>
-          </p:style>
-          <p:txBody>
-            <a:bodyPr rtlCol="0" anchor="ctr"/>
-            <a:lstStyle/>
-            <a:p>
-              <a:pPr algn="ctr"/>
-              <a:r>
-                <a:rPr lang="en-US" sz="1000" dirty="0" smtClean="0">
-                  <a:solidFill>
-                    <a:schemeClr val="tx1"/>
-                  </a:solidFill>
-                </a:rPr>
-                <a:t>0</a:t>
-              </a:r>
-              <a:endParaRPr lang="en-US" sz="1000" dirty="0">
+              </a:rPr>
+              <a:t>0</a:t>
+            </a:r>
+            <a:endParaRPr lang="en-US" sz="1000" dirty="0">
+              <a:solidFill>
+                <a:schemeClr val="tx1"/>
+              </a:solidFill>
+            </a:endParaRPr>
+          </a:p>
+        </p:txBody>
+      </p:sp>
+      <p:sp>
+        <p:nvSpPr>
+          <p:cNvPr id="14" name="Rectangle 13"/>
+          <p:cNvSpPr/>
+          <p:nvPr/>
+        </p:nvSpPr>
+        <p:spPr>
+          <a:xfrm>
+            <a:off x="1905000" y="5146020"/>
+            <a:ext cx="274320" cy="274320"/>
+          </a:xfrm>
+          <a:prstGeom prst="rect">
+            <a:avLst/>
+          </a:prstGeom>
+          <a:solidFill>
+            <a:schemeClr val="bg1"/>
+          </a:solidFill>
+        </p:spPr>
+        <p:style>
+          <a:lnRef idx="2">
+            <a:schemeClr val="accent1">
+              <a:shade val="50000"/>
+            </a:schemeClr>
+          </a:lnRef>
+          <a:fillRef idx="1">
+            <a:schemeClr val="accent1"/>
+          </a:fillRef>
+          <a:effectRef idx="0">
+            <a:schemeClr val="accent1"/>
+          </a:effectRef>
+          <a:fontRef idx="minor">
+            <a:schemeClr val="lt1"/>
+          </a:fontRef>
+        </p:style>
+        <p:txBody>
+          <a:bodyPr rtlCol="0" anchor="ctr"/>
+          <a:lstStyle/>
+          <a:p>
+            <a:pPr algn="ctr"/>
+            <a:endParaRPr lang="en-US"/>
+          </a:p>
+        </p:txBody>
+      </p:sp>
+      <p:sp>
+        <p:nvSpPr>
+          <p:cNvPr id="15" name="Rectangle 14"/>
+          <p:cNvSpPr/>
+          <p:nvPr/>
+        </p:nvSpPr>
+        <p:spPr>
+          <a:xfrm>
+            <a:off x="2179320" y="5146020"/>
+            <a:ext cx="274320" cy="274320"/>
+          </a:xfrm>
+          <a:prstGeom prst="rect">
+            <a:avLst/>
+          </a:prstGeom>
+          <a:solidFill>
+            <a:schemeClr val="bg1"/>
+          </a:solidFill>
+        </p:spPr>
+        <p:style>
+          <a:lnRef idx="2">
+            <a:schemeClr val="accent1">
+              <a:shade val="50000"/>
+            </a:schemeClr>
+          </a:lnRef>
+          <a:fillRef idx="1">
+            <a:schemeClr val="accent1"/>
+          </a:fillRef>
+          <a:effectRef idx="0">
+            <a:schemeClr val="accent1"/>
+          </a:effectRef>
+          <a:fontRef idx="minor">
+            <a:schemeClr val="lt1"/>
+          </a:fontRef>
+        </p:style>
+        <p:txBody>
+          <a:bodyPr rtlCol="0" anchor="ctr"/>
+          <a:lstStyle/>
+          <a:p>
+            <a:pPr algn="ctr"/>
+            <a:endParaRPr lang="en-US"/>
+          </a:p>
+        </p:txBody>
+      </p:sp>
+      <p:sp>
+        <p:nvSpPr>
+          <p:cNvPr id="16" name="Rectangle 15"/>
+          <p:cNvSpPr/>
+          <p:nvPr/>
+        </p:nvSpPr>
+        <p:spPr>
+          <a:xfrm>
+            <a:off x="2453640" y="5146020"/>
+            <a:ext cx="274320" cy="274320"/>
+          </a:xfrm>
+          <a:prstGeom prst="rect">
+            <a:avLst/>
+          </a:prstGeom>
+          <a:solidFill>
+            <a:schemeClr val="bg1"/>
+          </a:solidFill>
+        </p:spPr>
+        <p:style>
+          <a:lnRef idx="2">
+            <a:schemeClr val="accent1">
+              <a:shade val="50000"/>
+            </a:schemeClr>
+          </a:lnRef>
+          <a:fillRef idx="1">
+            <a:schemeClr val="accent1"/>
+          </a:fillRef>
+          <a:effectRef idx="0">
+            <a:schemeClr val="accent1"/>
+          </a:effectRef>
+          <a:fontRef idx="minor">
+            <a:schemeClr val="lt1"/>
+          </a:fontRef>
+        </p:style>
+        <p:txBody>
+          <a:bodyPr rtlCol="0" anchor="ctr"/>
+          <a:lstStyle/>
+          <a:p>
+            <a:pPr algn="ctr"/>
+            <a:endParaRPr lang="en-US"/>
+          </a:p>
+        </p:txBody>
+      </p:sp>
+      <p:sp>
+        <p:nvSpPr>
+          <p:cNvPr id="17" name="Rectangle 16"/>
+          <p:cNvSpPr/>
+          <p:nvPr/>
+        </p:nvSpPr>
+        <p:spPr>
+          <a:xfrm>
+            <a:off x="2727960" y="5146020"/>
+            <a:ext cx="274320" cy="274320"/>
+          </a:xfrm>
+          <a:prstGeom prst="rect">
+            <a:avLst/>
+          </a:prstGeom>
+          <a:solidFill>
+            <a:schemeClr val="bg1"/>
+          </a:solidFill>
+        </p:spPr>
+        <p:style>
+          <a:lnRef idx="2">
+            <a:schemeClr val="accent1">
+              <a:shade val="50000"/>
+            </a:schemeClr>
+          </a:lnRef>
+          <a:fillRef idx="1">
+            <a:schemeClr val="accent1"/>
+          </a:fillRef>
+          <a:effectRef idx="0">
+            <a:schemeClr val="accent1"/>
+          </a:effectRef>
+          <a:fontRef idx="minor">
+            <a:schemeClr val="lt1"/>
+          </a:fontRef>
+        </p:style>
+        <p:txBody>
+          <a:bodyPr rtlCol="0" anchor="ctr"/>
+          <a:lstStyle/>
+          <a:p>
+            <a:pPr algn="ctr"/>
+            <a:r>
+              <a:rPr lang="en-US" sz="1000" dirty="0" smtClean="0">
                 <a:solidFill>
                   <a:schemeClr val="tx1"/>
                 </a:solidFill>
-              </a:endParaRPr>
-            </a:p>
-          </p:txBody>
-        </p:sp>
-        <p:sp>
-          <p:nvSpPr>
-            <p:cNvPr id="18" name="Rectangle 17"/>
-            <p:cNvSpPr/>
-            <p:nvPr/>
-          </p:nvSpPr>
-          <p:spPr>
-            <a:xfrm>
-              <a:off x="3350738" y="4885554"/>
-              <a:ext cx="274320" cy="274320"/>
-            </a:xfrm>
-            <a:prstGeom prst="rect">
-              <a:avLst/>
-            </a:prstGeom>
-            <a:solidFill>
-              <a:schemeClr val="bg1"/>
-            </a:solidFill>
-          </p:spPr>
-          <p:style>
-            <a:lnRef idx="2">
-              <a:schemeClr val="accent1">
-                <a:shade val="50000"/>
-              </a:schemeClr>
-            </a:lnRef>
-            <a:fillRef idx="1">
-              <a:schemeClr val="accent1"/>
-            </a:fillRef>
-            <a:effectRef idx="0">
-              <a:schemeClr val="accent1"/>
-            </a:effectRef>
-            <a:fontRef idx="minor">
-              <a:schemeClr val="lt1"/>
-            </a:fontRef>
-          </p:style>
-          <p:txBody>
-            <a:bodyPr rtlCol="0" anchor="ctr"/>
-            <a:lstStyle/>
-            <a:p>
-              <a:pPr algn="ctr"/>
-              <a:endParaRPr lang="en-US"/>
-            </a:p>
-          </p:txBody>
-        </p:sp>
-        <p:sp>
-          <p:nvSpPr>
-            <p:cNvPr id="19" name="Rectangle 18"/>
-            <p:cNvSpPr/>
-            <p:nvPr/>
-          </p:nvSpPr>
-          <p:spPr>
-            <a:xfrm>
-              <a:off x="3625058" y="4885554"/>
-              <a:ext cx="274320" cy="274320"/>
-            </a:xfrm>
-            <a:prstGeom prst="rect">
-              <a:avLst/>
-            </a:prstGeom>
-            <a:solidFill>
-              <a:schemeClr val="bg1"/>
-            </a:solidFill>
-          </p:spPr>
-          <p:style>
-            <a:lnRef idx="2">
-              <a:schemeClr val="accent1">
-                <a:shade val="50000"/>
-              </a:schemeClr>
-            </a:lnRef>
-            <a:fillRef idx="1">
-              <a:schemeClr val="accent1"/>
-            </a:fillRef>
-            <a:effectRef idx="0">
-              <a:schemeClr val="accent1"/>
-            </a:effectRef>
-            <a:fontRef idx="minor">
-              <a:schemeClr val="lt1"/>
-            </a:fontRef>
-          </p:style>
-          <p:txBody>
-            <a:bodyPr rtlCol="0" anchor="ctr"/>
-            <a:lstStyle/>
-            <a:p>
-              <a:pPr algn="ctr"/>
-              <a:endParaRPr lang="en-US"/>
-            </a:p>
-          </p:txBody>
-        </p:sp>
-        <p:sp>
-          <p:nvSpPr>
-            <p:cNvPr id="20" name="Rectangle 19"/>
-            <p:cNvSpPr/>
-            <p:nvPr/>
-          </p:nvSpPr>
-          <p:spPr>
-            <a:xfrm>
-              <a:off x="3899378" y="4885554"/>
-              <a:ext cx="274320" cy="274320"/>
-            </a:xfrm>
-            <a:prstGeom prst="rect">
-              <a:avLst/>
-            </a:prstGeom>
-            <a:solidFill>
-              <a:schemeClr val="bg1"/>
-            </a:solidFill>
-          </p:spPr>
-          <p:style>
-            <a:lnRef idx="2">
-              <a:schemeClr val="accent1">
-                <a:shade val="50000"/>
-              </a:schemeClr>
-            </a:lnRef>
-            <a:fillRef idx="1">
-              <a:schemeClr val="accent1"/>
-            </a:fillRef>
-            <a:effectRef idx="0">
-              <a:schemeClr val="accent1"/>
-            </a:effectRef>
-            <a:fontRef idx="minor">
-              <a:schemeClr val="lt1"/>
-            </a:fontRef>
-          </p:style>
-          <p:txBody>
-            <a:bodyPr rtlCol="0" anchor="ctr"/>
-            <a:lstStyle/>
-            <a:p>
-              <a:pPr algn="ctr"/>
-              <a:endParaRPr lang="en-US"/>
-            </a:p>
-          </p:txBody>
-        </p:sp>
-        <p:sp>
-          <p:nvSpPr>
-            <p:cNvPr id="21" name="Rectangle 20"/>
-            <p:cNvSpPr/>
-            <p:nvPr/>
-          </p:nvSpPr>
-          <p:spPr>
-            <a:xfrm>
-              <a:off x="4173698" y="4885554"/>
-              <a:ext cx="274320" cy="274320"/>
-            </a:xfrm>
-            <a:prstGeom prst="rect">
-              <a:avLst/>
-            </a:prstGeom>
-            <a:solidFill>
-              <a:schemeClr val="bg1"/>
-            </a:solidFill>
-          </p:spPr>
-          <p:style>
-            <a:lnRef idx="2">
-              <a:schemeClr val="accent1">
-                <a:shade val="50000"/>
-              </a:schemeClr>
-            </a:lnRef>
-            <a:fillRef idx="1">
-              <a:schemeClr val="accent1"/>
-            </a:fillRef>
-            <a:effectRef idx="0">
-              <a:schemeClr val="accent1"/>
-            </a:effectRef>
-            <a:fontRef idx="minor">
-              <a:schemeClr val="lt1"/>
-            </a:fontRef>
-          </p:style>
-          <p:txBody>
-            <a:bodyPr rtlCol="0" anchor="ctr" anchorCtr="1"/>
-            <a:lstStyle/>
-            <a:p>
-              <a:pPr algn="ctr"/>
-              <a:r>
-                <a:rPr lang="en-US" sz="1100" dirty="0" smtClean="0">
-                  <a:solidFill>
-                    <a:schemeClr val="tx1"/>
-                  </a:solidFill>
-                </a:rPr>
-                <a:t>0</a:t>
-              </a:r>
-              <a:endParaRPr lang="en-US" sz="1100" dirty="0">
+              </a:rPr>
+              <a:t>0</a:t>
+            </a:r>
+            <a:endParaRPr lang="en-US" sz="1000" dirty="0">
+              <a:solidFill>
+                <a:schemeClr val="tx1"/>
+              </a:solidFill>
+            </a:endParaRPr>
+          </a:p>
+        </p:txBody>
+      </p:sp>
+      <p:sp>
+        <p:nvSpPr>
+          <p:cNvPr id="18" name="Rectangle 17"/>
+          <p:cNvSpPr/>
+          <p:nvPr/>
+        </p:nvSpPr>
+        <p:spPr>
+          <a:xfrm>
+            <a:off x="3002280" y="5146020"/>
+            <a:ext cx="274320" cy="274320"/>
+          </a:xfrm>
+          <a:prstGeom prst="rect">
+            <a:avLst/>
+          </a:prstGeom>
+          <a:solidFill>
+            <a:schemeClr val="bg1"/>
+          </a:solidFill>
+        </p:spPr>
+        <p:style>
+          <a:lnRef idx="2">
+            <a:schemeClr val="accent1">
+              <a:shade val="50000"/>
+            </a:schemeClr>
+          </a:lnRef>
+          <a:fillRef idx="1">
+            <a:schemeClr val="accent1"/>
+          </a:fillRef>
+          <a:effectRef idx="0">
+            <a:schemeClr val="accent1"/>
+          </a:effectRef>
+          <a:fontRef idx="minor">
+            <a:schemeClr val="lt1"/>
+          </a:fontRef>
+        </p:style>
+        <p:txBody>
+          <a:bodyPr rtlCol="0" anchor="ctr"/>
+          <a:lstStyle/>
+          <a:p>
+            <a:pPr algn="ctr"/>
+            <a:endParaRPr lang="en-US"/>
+          </a:p>
+        </p:txBody>
+      </p:sp>
+      <p:sp>
+        <p:nvSpPr>
+          <p:cNvPr id="19" name="Rectangle 18"/>
+          <p:cNvSpPr/>
+          <p:nvPr/>
+        </p:nvSpPr>
+        <p:spPr>
+          <a:xfrm>
+            <a:off x="3276600" y="5146020"/>
+            <a:ext cx="274320" cy="274320"/>
+          </a:xfrm>
+          <a:prstGeom prst="rect">
+            <a:avLst/>
+          </a:prstGeom>
+          <a:solidFill>
+            <a:schemeClr val="bg1"/>
+          </a:solidFill>
+        </p:spPr>
+        <p:style>
+          <a:lnRef idx="2">
+            <a:schemeClr val="accent1">
+              <a:shade val="50000"/>
+            </a:schemeClr>
+          </a:lnRef>
+          <a:fillRef idx="1">
+            <a:schemeClr val="accent1"/>
+          </a:fillRef>
+          <a:effectRef idx="0">
+            <a:schemeClr val="accent1"/>
+          </a:effectRef>
+          <a:fontRef idx="minor">
+            <a:schemeClr val="lt1"/>
+          </a:fontRef>
+        </p:style>
+        <p:txBody>
+          <a:bodyPr rtlCol="0" anchor="ctr"/>
+          <a:lstStyle/>
+          <a:p>
+            <a:pPr algn="ctr"/>
+            <a:endParaRPr lang="en-US"/>
+          </a:p>
+        </p:txBody>
+      </p:sp>
+      <p:sp>
+        <p:nvSpPr>
+          <p:cNvPr id="20" name="Rectangle 19"/>
+          <p:cNvSpPr/>
+          <p:nvPr/>
+        </p:nvSpPr>
+        <p:spPr>
+          <a:xfrm>
+            <a:off x="3550920" y="5146020"/>
+            <a:ext cx="274320" cy="274320"/>
+          </a:xfrm>
+          <a:prstGeom prst="rect">
+            <a:avLst/>
+          </a:prstGeom>
+          <a:solidFill>
+            <a:schemeClr val="bg1"/>
+          </a:solidFill>
+        </p:spPr>
+        <p:style>
+          <a:lnRef idx="2">
+            <a:schemeClr val="accent1">
+              <a:shade val="50000"/>
+            </a:schemeClr>
+          </a:lnRef>
+          <a:fillRef idx="1">
+            <a:schemeClr val="accent1"/>
+          </a:fillRef>
+          <a:effectRef idx="0">
+            <a:schemeClr val="accent1"/>
+          </a:effectRef>
+          <a:fontRef idx="minor">
+            <a:schemeClr val="lt1"/>
+          </a:fontRef>
+        </p:style>
+        <p:txBody>
+          <a:bodyPr rtlCol="0" anchor="ctr"/>
+          <a:lstStyle/>
+          <a:p>
+            <a:pPr algn="ctr"/>
+            <a:endParaRPr lang="en-US"/>
+          </a:p>
+        </p:txBody>
+      </p:sp>
+      <p:sp>
+        <p:nvSpPr>
+          <p:cNvPr id="21" name="Rectangle 20"/>
+          <p:cNvSpPr/>
+          <p:nvPr/>
+        </p:nvSpPr>
+        <p:spPr>
+          <a:xfrm>
+            <a:off x="3825240" y="5146020"/>
+            <a:ext cx="274320" cy="274320"/>
+          </a:xfrm>
+          <a:prstGeom prst="rect">
+            <a:avLst/>
+          </a:prstGeom>
+          <a:solidFill>
+            <a:schemeClr val="bg1"/>
+          </a:solidFill>
+        </p:spPr>
+        <p:style>
+          <a:lnRef idx="2">
+            <a:schemeClr val="accent1">
+              <a:shade val="50000"/>
+            </a:schemeClr>
+          </a:lnRef>
+          <a:fillRef idx="1">
+            <a:schemeClr val="accent1"/>
+          </a:fillRef>
+          <a:effectRef idx="0">
+            <a:schemeClr val="accent1"/>
+          </a:effectRef>
+          <a:fontRef idx="minor">
+            <a:schemeClr val="lt1"/>
+          </a:fontRef>
+        </p:style>
+        <p:txBody>
+          <a:bodyPr rtlCol="0" anchor="ctr" anchorCtr="1"/>
+          <a:lstStyle/>
+          <a:p>
+            <a:pPr algn="ctr"/>
+            <a:r>
+              <a:rPr lang="en-US" sz="1100" dirty="0" smtClean="0">
                 <a:solidFill>
                   <a:schemeClr val="tx1"/>
                 </a:solidFill>
-              </a:endParaRPr>
-            </a:p>
-          </p:txBody>
-        </p:sp>
-        <p:sp>
-          <p:nvSpPr>
-            <p:cNvPr id="22" name="Rectangle 21"/>
-            <p:cNvSpPr/>
-            <p:nvPr/>
-          </p:nvSpPr>
-          <p:spPr>
-            <a:xfrm>
-              <a:off x="4448018" y="4885554"/>
-              <a:ext cx="274320" cy="274320"/>
-            </a:xfrm>
-            <a:prstGeom prst="rect">
-              <a:avLst/>
-            </a:prstGeom>
-            <a:solidFill>
-              <a:schemeClr val="bg1"/>
-            </a:solidFill>
-          </p:spPr>
-          <p:style>
-            <a:lnRef idx="2">
-              <a:schemeClr val="accent1">
-                <a:shade val="50000"/>
-              </a:schemeClr>
-            </a:lnRef>
-            <a:fillRef idx="1">
-              <a:schemeClr val="accent1"/>
-            </a:fillRef>
-            <a:effectRef idx="0">
-              <a:schemeClr val="accent1"/>
-            </a:effectRef>
-            <a:fontRef idx="minor">
-              <a:schemeClr val="lt1"/>
-            </a:fontRef>
-          </p:style>
-          <p:txBody>
-            <a:bodyPr rtlCol="0" anchor="ctr"/>
-            <a:lstStyle/>
-            <a:p>
-              <a:pPr algn="ctr"/>
-              <a:endParaRPr lang="en-US"/>
-            </a:p>
-          </p:txBody>
-        </p:sp>
-        <p:sp>
-          <p:nvSpPr>
-            <p:cNvPr id="23" name="Rectangle 22"/>
-            <p:cNvSpPr/>
-            <p:nvPr/>
-          </p:nvSpPr>
-          <p:spPr>
-            <a:xfrm>
-              <a:off x="4722338" y="4885554"/>
-              <a:ext cx="274320" cy="274320"/>
-            </a:xfrm>
-            <a:prstGeom prst="rect">
-              <a:avLst/>
-            </a:prstGeom>
-            <a:solidFill>
-              <a:schemeClr val="bg1"/>
-            </a:solidFill>
-          </p:spPr>
-          <p:style>
-            <a:lnRef idx="2">
-              <a:schemeClr val="accent1">
-                <a:shade val="50000"/>
-              </a:schemeClr>
-            </a:lnRef>
-            <a:fillRef idx="1">
-              <a:schemeClr val="accent1"/>
-            </a:fillRef>
-            <a:effectRef idx="0">
-              <a:schemeClr val="accent1"/>
-            </a:effectRef>
-            <a:fontRef idx="minor">
-              <a:schemeClr val="lt1"/>
-            </a:fontRef>
-          </p:style>
-          <p:txBody>
-            <a:bodyPr rtlCol="0" anchor="ctr"/>
-            <a:lstStyle/>
-            <a:p>
-              <a:pPr algn="ctr"/>
-              <a:endParaRPr lang="en-US"/>
-            </a:p>
-          </p:txBody>
-        </p:sp>
-        <p:sp>
-          <p:nvSpPr>
-            <p:cNvPr id="24" name="Rectangle 23"/>
-            <p:cNvSpPr/>
-            <p:nvPr/>
-          </p:nvSpPr>
-          <p:spPr>
-            <a:xfrm>
-              <a:off x="4996658" y="4885554"/>
-              <a:ext cx="274320" cy="274320"/>
-            </a:xfrm>
-            <a:prstGeom prst="rect">
-              <a:avLst/>
-            </a:prstGeom>
-            <a:solidFill>
-              <a:schemeClr val="bg1"/>
-            </a:solidFill>
-          </p:spPr>
-          <p:style>
-            <a:lnRef idx="2">
-              <a:schemeClr val="accent1">
-                <a:shade val="50000"/>
-              </a:schemeClr>
-            </a:lnRef>
-            <a:fillRef idx="1">
-              <a:schemeClr val="accent1"/>
-            </a:fillRef>
-            <a:effectRef idx="0">
-              <a:schemeClr val="accent1"/>
-            </a:effectRef>
-            <a:fontRef idx="minor">
-              <a:schemeClr val="lt1"/>
-            </a:fontRef>
-          </p:style>
-          <p:txBody>
-            <a:bodyPr rtlCol="0" anchor="ctr"/>
-            <a:lstStyle/>
-            <a:p>
-              <a:pPr algn="ctr"/>
-              <a:endParaRPr lang="en-US"/>
-            </a:p>
-          </p:txBody>
-        </p:sp>
-        <p:sp>
-          <p:nvSpPr>
-            <p:cNvPr id="29" name="TextBox 28"/>
-            <p:cNvSpPr txBox="1"/>
-            <p:nvPr/>
-          </p:nvSpPr>
-          <p:spPr>
-            <a:xfrm>
-              <a:off x="729458" y="4666896"/>
-              <a:ext cx="470000" cy="276999"/>
-            </a:xfrm>
-            <a:prstGeom prst="rect">
-              <a:avLst/>
-            </a:prstGeom>
-            <a:noFill/>
-          </p:spPr>
-          <p:txBody>
-            <a:bodyPr wrap="none" rtlCol="0">
-              <a:spAutoFit/>
-            </a:bodyPr>
-            <a:lstStyle/>
-            <a:p>
-              <a:r>
-                <a:rPr lang="en-US" sz="1200" dirty="0" smtClean="0"/>
-                <a:t>MSB</a:t>
-              </a:r>
-              <a:endParaRPr lang="en-US" sz="1200" dirty="0"/>
-            </a:p>
-          </p:txBody>
-        </p:sp>
-        <p:sp>
-          <p:nvSpPr>
-            <p:cNvPr id="30" name="TextBox 29"/>
-            <p:cNvSpPr txBox="1"/>
-            <p:nvPr/>
-          </p:nvSpPr>
-          <p:spPr>
-            <a:xfrm>
-              <a:off x="4998967" y="4666895"/>
-              <a:ext cx="402674" cy="276999"/>
-            </a:xfrm>
-            <a:prstGeom prst="rect">
-              <a:avLst/>
-            </a:prstGeom>
-            <a:noFill/>
-          </p:spPr>
-          <p:txBody>
-            <a:bodyPr wrap="none" rtlCol="0">
-              <a:spAutoFit/>
-            </a:bodyPr>
-            <a:lstStyle/>
-            <a:p>
-              <a:r>
-                <a:rPr lang="en-US" sz="1200" dirty="0"/>
-                <a:t>L</a:t>
-              </a:r>
-              <a:r>
-                <a:rPr lang="en-US" sz="1200" dirty="0" smtClean="0"/>
-                <a:t>SB</a:t>
-              </a:r>
-              <a:endParaRPr lang="en-US" sz="1200" dirty="0"/>
-            </a:p>
-          </p:txBody>
-        </p:sp>
-        <p:cxnSp>
-          <p:nvCxnSpPr>
-            <p:cNvPr id="34" name="Straight Arrow Connector 33"/>
-            <p:cNvCxnSpPr/>
-            <p:nvPr/>
-          </p:nvCxnSpPr>
-          <p:spPr>
-            <a:xfrm>
-              <a:off x="4448018" y="5428896"/>
-              <a:ext cx="822960" cy="0"/>
-            </a:xfrm>
-            <a:prstGeom prst="straightConnector1">
-              <a:avLst/>
-            </a:prstGeom>
-            <a:ln w="28575">
-              <a:headEnd type="triangle"/>
-              <a:tailEnd type="triangle"/>
-            </a:ln>
-          </p:spPr>
-          <p:style>
-            <a:lnRef idx="1">
-              <a:schemeClr val="accent1"/>
-            </a:lnRef>
-            <a:fillRef idx="0">
-              <a:schemeClr val="accent1"/>
-            </a:fillRef>
-            <a:effectRef idx="0">
-              <a:schemeClr val="accent1"/>
-            </a:effectRef>
-            <a:fontRef idx="minor">
-              <a:schemeClr val="tx1"/>
-            </a:fontRef>
-          </p:style>
-        </p:cxnSp>
-        <p:sp>
-          <p:nvSpPr>
-            <p:cNvPr id="38" name="TextBox 37"/>
-            <p:cNvSpPr txBox="1"/>
-            <p:nvPr/>
-          </p:nvSpPr>
-          <p:spPr>
-            <a:xfrm>
-              <a:off x="4547431" y="5731939"/>
-              <a:ext cx="1020536" cy="276999"/>
-            </a:xfrm>
-            <a:prstGeom prst="rect">
-              <a:avLst/>
-            </a:prstGeom>
-            <a:noFill/>
-          </p:spPr>
-          <p:txBody>
-            <a:bodyPr wrap="none" rtlCol="0">
-              <a:spAutoFit/>
-            </a:bodyPr>
-            <a:lstStyle/>
-            <a:p>
-              <a:r>
-                <a:rPr lang="en-US" sz="1200" dirty="0" smtClean="0"/>
-                <a:t>Fault (Nx4)+1</a:t>
-              </a:r>
-              <a:endParaRPr lang="en-US" sz="1200" dirty="0"/>
-            </a:p>
-          </p:txBody>
-        </p:sp>
-        <p:cxnSp>
-          <p:nvCxnSpPr>
-            <p:cNvPr id="39" name="Straight Arrow Connector 38"/>
-            <p:cNvCxnSpPr>
-              <a:stCxn id="38" idx="0"/>
-            </p:cNvCxnSpPr>
-            <p:nvPr/>
-          </p:nvCxnSpPr>
-          <p:spPr>
-            <a:xfrm flipH="1" flipV="1">
-              <a:off x="4854184" y="5482581"/>
-              <a:ext cx="203515" cy="249358"/>
-            </a:xfrm>
-            <a:prstGeom prst="straightConnector1">
-              <a:avLst/>
-            </a:prstGeom>
-            <a:ln>
+              </a:rPr>
+              <a:t>0</a:t>
+            </a:r>
+            <a:endParaRPr lang="en-US" sz="1100" dirty="0">
               <a:solidFill>
                 <a:schemeClr val="tx1"/>
               </a:solidFill>
-              <a:tailEnd type="triangle"/>
-            </a:ln>
-          </p:spPr>
-          <p:style>
-            <a:lnRef idx="1">
-              <a:schemeClr val="accent1"/>
-            </a:lnRef>
-            <a:fillRef idx="0">
-              <a:schemeClr val="accent1"/>
-            </a:fillRef>
-            <a:effectRef idx="0">
-              <a:schemeClr val="accent1"/>
-            </a:effectRef>
-            <a:fontRef idx="minor">
+            </a:endParaRPr>
+          </a:p>
+        </p:txBody>
+      </p:sp>
+      <p:sp>
+        <p:nvSpPr>
+          <p:cNvPr id="22" name="Rectangle 21"/>
+          <p:cNvSpPr/>
+          <p:nvPr/>
+        </p:nvSpPr>
+        <p:spPr>
+          <a:xfrm>
+            <a:off x="4099560" y="5146020"/>
+            <a:ext cx="274320" cy="274320"/>
+          </a:xfrm>
+          <a:prstGeom prst="rect">
+            <a:avLst/>
+          </a:prstGeom>
+          <a:solidFill>
+            <a:schemeClr val="bg1"/>
+          </a:solidFill>
+        </p:spPr>
+        <p:style>
+          <a:lnRef idx="2">
+            <a:schemeClr val="accent1">
+              <a:shade val="50000"/>
+            </a:schemeClr>
+          </a:lnRef>
+          <a:fillRef idx="1">
+            <a:schemeClr val="accent1"/>
+          </a:fillRef>
+          <a:effectRef idx="0">
+            <a:schemeClr val="accent1"/>
+          </a:effectRef>
+          <a:fontRef idx="minor">
+            <a:schemeClr val="lt1"/>
+          </a:fontRef>
+        </p:style>
+        <p:txBody>
+          <a:bodyPr rtlCol="0" anchor="ctr"/>
+          <a:lstStyle/>
+          <a:p>
+            <a:pPr algn="ctr"/>
+            <a:endParaRPr lang="en-US"/>
+          </a:p>
+        </p:txBody>
+      </p:sp>
+      <p:sp>
+        <p:nvSpPr>
+          <p:cNvPr id="23" name="Rectangle 22"/>
+          <p:cNvSpPr/>
+          <p:nvPr/>
+        </p:nvSpPr>
+        <p:spPr>
+          <a:xfrm>
+            <a:off x="4373880" y="5146020"/>
+            <a:ext cx="274320" cy="274320"/>
+          </a:xfrm>
+          <a:prstGeom prst="rect">
+            <a:avLst/>
+          </a:prstGeom>
+          <a:solidFill>
+            <a:schemeClr val="bg1"/>
+          </a:solidFill>
+        </p:spPr>
+        <p:style>
+          <a:lnRef idx="2">
+            <a:schemeClr val="accent1">
+              <a:shade val="50000"/>
+            </a:schemeClr>
+          </a:lnRef>
+          <a:fillRef idx="1">
+            <a:schemeClr val="accent1"/>
+          </a:fillRef>
+          <a:effectRef idx="0">
+            <a:schemeClr val="accent1"/>
+          </a:effectRef>
+          <a:fontRef idx="minor">
+            <a:schemeClr val="lt1"/>
+          </a:fontRef>
+        </p:style>
+        <p:txBody>
+          <a:bodyPr rtlCol="0" anchor="ctr"/>
+          <a:lstStyle/>
+          <a:p>
+            <a:pPr algn="ctr"/>
+            <a:endParaRPr lang="en-US"/>
+          </a:p>
+        </p:txBody>
+      </p:sp>
+      <p:sp>
+        <p:nvSpPr>
+          <p:cNvPr id="24" name="Rectangle 23"/>
+          <p:cNvSpPr/>
+          <p:nvPr/>
+        </p:nvSpPr>
+        <p:spPr>
+          <a:xfrm>
+            <a:off x="4648200" y="5146020"/>
+            <a:ext cx="274320" cy="274320"/>
+          </a:xfrm>
+          <a:prstGeom prst="rect">
+            <a:avLst/>
+          </a:prstGeom>
+          <a:solidFill>
+            <a:schemeClr val="bg1"/>
+          </a:solidFill>
+        </p:spPr>
+        <p:style>
+          <a:lnRef idx="2">
+            <a:schemeClr val="accent1">
+              <a:shade val="50000"/>
+            </a:schemeClr>
+          </a:lnRef>
+          <a:fillRef idx="1">
+            <a:schemeClr val="accent1"/>
+          </a:fillRef>
+          <a:effectRef idx="0">
+            <a:schemeClr val="accent1"/>
+          </a:effectRef>
+          <a:fontRef idx="minor">
+            <a:schemeClr val="lt1"/>
+          </a:fontRef>
+        </p:style>
+        <p:txBody>
+          <a:bodyPr rtlCol="0" anchor="ctr"/>
+          <a:lstStyle/>
+          <a:p>
+            <a:pPr algn="ctr"/>
+            <a:endParaRPr lang="en-US"/>
+          </a:p>
+        </p:txBody>
+      </p:sp>
+      <p:sp>
+        <p:nvSpPr>
+          <p:cNvPr id="29" name="TextBox 28"/>
+          <p:cNvSpPr txBox="1"/>
+          <p:nvPr/>
+        </p:nvSpPr>
+        <p:spPr>
+          <a:xfrm>
+            <a:off x="381000" y="4927362"/>
+            <a:ext cx="470000" cy="276999"/>
+          </a:xfrm>
+          <a:prstGeom prst="rect">
+            <a:avLst/>
+          </a:prstGeom>
+          <a:noFill/>
+        </p:spPr>
+        <p:txBody>
+          <a:bodyPr wrap="none" rtlCol="0">
+            <a:spAutoFit/>
+          </a:bodyPr>
+          <a:lstStyle/>
+          <a:p>
+            <a:r>
+              <a:rPr lang="en-US" sz="1200" dirty="0" smtClean="0"/>
+              <a:t>MSB</a:t>
+            </a:r>
+            <a:endParaRPr lang="en-US" sz="1200" dirty="0"/>
+          </a:p>
+        </p:txBody>
+      </p:sp>
+      <p:sp>
+        <p:nvSpPr>
+          <p:cNvPr id="30" name="TextBox 29"/>
+          <p:cNvSpPr txBox="1"/>
+          <p:nvPr/>
+        </p:nvSpPr>
+        <p:spPr>
+          <a:xfrm>
+            <a:off x="4650509" y="4927361"/>
+            <a:ext cx="402674" cy="276999"/>
+          </a:xfrm>
+          <a:prstGeom prst="rect">
+            <a:avLst/>
+          </a:prstGeom>
+          <a:noFill/>
+        </p:spPr>
+        <p:txBody>
+          <a:bodyPr wrap="none" rtlCol="0">
+            <a:spAutoFit/>
+          </a:bodyPr>
+          <a:lstStyle/>
+          <a:p>
+            <a:r>
+              <a:rPr lang="en-US" sz="1200" dirty="0"/>
+              <a:t>L</a:t>
+            </a:r>
+            <a:r>
+              <a:rPr lang="en-US" sz="1200" dirty="0" smtClean="0"/>
+              <a:t>SB</a:t>
+            </a:r>
+            <a:endParaRPr lang="en-US" sz="1200" dirty="0"/>
+          </a:p>
+        </p:txBody>
+      </p:sp>
+      <p:cxnSp>
+        <p:nvCxnSpPr>
+          <p:cNvPr id="34" name="Straight Arrow Connector 33"/>
+          <p:cNvCxnSpPr/>
+          <p:nvPr/>
+        </p:nvCxnSpPr>
+        <p:spPr>
+          <a:xfrm>
+            <a:off x="4099560" y="5689362"/>
+            <a:ext cx="822960" cy="0"/>
+          </a:xfrm>
+          <a:prstGeom prst="straightConnector1">
+            <a:avLst/>
+          </a:prstGeom>
+          <a:ln w="28575">
+            <a:headEnd type="triangle"/>
+            <a:tailEnd type="triangle"/>
+          </a:ln>
+        </p:spPr>
+        <p:style>
+          <a:lnRef idx="1">
+            <a:schemeClr val="accent1"/>
+          </a:lnRef>
+          <a:fillRef idx="0">
+            <a:schemeClr val="accent1"/>
+          </a:fillRef>
+          <a:effectRef idx="0">
+            <a:schemeClr val="accent1"/>
+          </a:effectRef>
+          <a:fontRef idx="minor">
+            <a:schemeClr val="tx1"/>
+          </a:fontRef>
+        </p:style>
+      </p:cxnSp>
+      <p:sp>
+        <p:nvSpPr>
+          <p:cNvPr id="38" name="TextBox 37"/>
+          <p:cNvSpPr txBox="1"/>
+          <p:nvPr/>
+        </p:nvSpPr>
+        <p:spPr>
+          <a:xfrm>
+            <a:off x="4198973" y="5992405"/>
+            <a:ext cx="1020536" cy="276999"/>
+          </a:xfrm>
+          <a:prstGeom prst="rect">
+            <a:avLst/>
+          </a:prstGeom>
+          <a:noFill/>
+        </p:spPr>
+        <p:txBody>
+          <a:bodyPr wrap="none" rtlCol="0">
+            <a:spAutoFit/>
+          </a:bodyPr>
+          <a:lstStyle/>
+          <a:p>
+            <a:r>
+              <a:rPr lang="en-US" sz="1200" dirty="0" smtClean="0"/>
+              <a:t>Fault (Nx4)+3</a:t>
+            </a:r>
+            <a:endParaRPr lang="en-US" sz="1200" dirty="0"/>
+          </a:p>
+        </p:txBody>
+      </p:sp>
+      <p:cxnSp>
+        <p:nvCxnSpPr>
+          <p:cNvPr id="39" name="Straight Arrow Connector 38"/>
+          <p:cNvCxnSpPr>
+            <a:stCxn id="38" idx="0"/>
+          </p:cNvCxnSpPr>
+          <p:nvPr/>
+        </p:nvCxnSpPr>
+        <p:spPr>
+          <a:xfrm flipH="1" flipV="1">
+            <a:off x="4505728" y="5743047"/>
+            <a:ext cx="203513" cy="249358"/>
+          </a:xfrm>
+          <a:prstGeom prst="straightConnector1">
+            <a:avLst/>
+          </a:prstGeom>
+          <a:ln>
+            <a:solidFill>
               <a:schemeClr val="tx1"/>
-            </a:fontRef>
-          </p:style>
-        </p:cxnSp>
-        <p:cxnSp>
-          <p:nvCxnSpPr>
-            <p:cNvPr id="49" name="Straight Arrow Connector 48"/>
-            <p:cNvCxnSpPr/>
-            <p:nvPr/>
-          </p:nvCxnSpPr>
-          <p:spPr>
-            <a:xfrm>
-              <a:off x="3350738" y="5428896"/>
-              <a:ext cx="822960" cy="0"/>
-            </a:xfrm>
-            <a:prstGeom prst="straightConnector1">
-              <a:avLst/>
-            </a:prstGeom>
-            <a:ln w="28575">
-              <a:headEnd type="triangle"/>
-              <a:tailEnd type="triangle"/>
-            </a:ln>
-          </p:spPr>
-          <p:style>
-            <a:lnRef idx="1">
-              <a:schemeClr val="accent1"/>
-            </a:lnRef>
-            <a:fillRef idx="0">
-              <a:schemeClr val="accent1"/>
-            </a:fillRef>
-            <a:effectRef idx="0">
-              <a:schemeClr val="accent1"/>
-            </a:effectRef>
-            <a:fontRef idx="minor">
+            </a:solidFill>
+            <a:tailEnd type="triangle"/>
+          </a:ln>
+        </p:spPr>
+        <p:style>
+          <a:lnRef idx="1">
+            <a:schemeClr val="accent1"/>
+          </a:lnRef>
+          <a:fillRef idx="0">
+            <a:schemeClr val="accent1"/>
+          </a:fillRef>
+          <a:effectRef idx="0">
+            <a:schemeClr val="accent1"/>
+          </a:effectRef>
+          <a:fontRef idx="minor">
+            <a:schemeClr val="tx1"/>
+          </a:fontRef>
+        </p:style>
+      </p:cxnSp>
+      <p:cxnSp>
+        <p:nvCxnSpPr>
+          <p:cNvPr id="49" name="Straight Arrow Connector 48"/>
+          <p:cNvCxnSpPr/>
+          <p:nvPr/>
+        </p:nvCxnSpPr>
+        <p:spPr>
+          <a:xfrm>
+            <a:off x="3002280" y="5689362"/>
+            <a:ext cx="822960" cy="0"/>
+          </a:xfrm>
+          <a:prstGeom prst="straightConnector1">
+            <a:avLst/>
+          </a:prstGeom>
+          <a:ln w="28575">
+            <a:headEnd type="triangle"/>
+            <a:tailEnd type="triangle"/>
+          </a:ln>
+        </p:spPr>
+        <p:style>
+          <a:lnRef idx="1">
+            <a:schemeClr val="accent1"/>
+          </a:lnRef>
+          <a:fillRef idx="0">
+            <a:schemeClr val="accent1"/>
+          </a:fillRef>
+          <a:effectRef idx="0">
+            <a:schemeClr val="accent1"/>
+          </a:effectRef>
+          <a:fontRef idx="minor">
+            <a:schemeClr val="tx1"/>
+          </a:fontRef>
+        </p:style>
+      </p:cxnSp>
+      <p:sp>
+        <p:nvSpPr>
+          <p:cNvPr id="51" name="TextBox 50"/>
+          <p:cNvSpPr txBox="1"/>
+          <p:nvPr/>
+        </p:nvSpPr>
+        <p:spPr>
+          <a:xfrm>
+            <a:off x="3045642" y="5994104"/>
+            <a:ext cx="1020536" cy="276999"/>
+          </a:xfrm>
+          <a:prstGeom prst="rect">
+            <a:avLst/>
+          </a:prstGeom>
+          <a:noFill/>
+        </p:spPr>
+        <p:txBody>
+          <a:bodyPr wrap="none" rtlCol="0">
+            <a:spAutoFit/>
+          </a:bodyPr>
+          <a:lstStyle/>
+          <a:p>
+            <a:r>
+              <a:rPr lang="en-US" sz="1200" dirty="0" smtClean="0"/>
+              <a:t>Fault (Nx4)+4</a:t>
+            </a:r>
+            <a:endParaRPr lang="en-US" sz="1200" dirty="0"/>
+          </a:p>
+        </p:txBody>
+      </p:sp>
+      <p:cxnSp>
+        <p:nvCxnSpPr>
+          <p:cNvPr id="53" name="Straight Arrow Connector 52"/>
+          <p:cNvCxnSpPr>
+            <a:stCxn id="51" idx="0"/>
+          </p:cNvCxnSpPr>
+          <p:nvPr/>
+        </p:nvCxnSpPr>
+        <p:spPr>
+          <a:xfrm flipH="1" flipV="1">
+            <a:off x="3352399" y="5744746"/>
+            <a:ext cx="203511" cy="249358"/>
+          </a:xfrm>
+          <a:prstGeom prst="straightConnector1">
+            <a:avLst/>
+          </a:prstGeom>
+          <a:ln>
+            <a:solidFill>
               <a:schemeClr val="tx1"/>
-            </a:fontRef>
-          </p:style>
-        </p:cxnSp>
-        <p:sp>
-          <p:nvSpPr>
-            <p:cNvPr id="51" name="TextBox 50"/>
-            <p:cNvSpPr txBox="1"/>
-            <p:nvPr/>
-          </p:nvSpPr>
-          <p:spPr>
-            <a:xfrm>
-              <a:off x="3394100" y="5733638"/>
-              <a:ext cx="1020536" cy="276999"/>
-            </a:xfrm>
-            <a:prstGeom prst="rect">
-              <a:avLst/>
-            </a:prstGeom>
-            <a:noFill/>
-          </p:spPr>
-          <p:txBody>
-            <a:bodyPr wrap="none" rtlCol="0">
-              <a:spAutoFit/>
-            </a:bodyPr>
-            <a:lstStyle/>
-            <a:p>
-              <a:r>
-                <a:rPr lang="en-US" sz="1200" dirty="0" smtClean="0"/>
-                <a:t>Fault (Nx4)+2</a:t>
-              </a:r>
-              <a:endParaRPr lang="en-US" sz="1200" dirty="0"/>
-            </a:p>
-          </p:txBody>
-        </p:sp>
-        <p:cxnSp>
-          <p:nvCxnSpPr>
-            <p:cNvPr id="53" name="Straight Arrow Connector 52"/>
-            <p:cNvCxnSpPr>
-              <a:stCxn id="51" idx="0"/>
-            </p:cNvCxnSpPr>
-            <p:nvPr/>
-          </p:nvCxnSpPr>
-          <p:spPr>
-            <a:xfrm flipH="1" flipV="1">
-              <a:off x="3700855" y="5484280"/>
-              <a:ext cx="203513" cy="249358"/>
-            </a:xfrm>
-            <a:prstGeom prst="straightConnector1">
-              <a:avLst/>
-            </a:prstGeom>
-            <a:ln>
-              <a:solidFill>
-                <a:schemeClr val="tx1"/>
-              </a:solidFill>
-              <a:tailEnd type="triangle"/>
-            </a:ln>
-          </p:spPr>
-          <p:style>
-            <a:lnRef idx="1">
-              <a:schemeClr val="accent1"/>
-            </a:lnRef>
-            <a:fillRef idx="0">
-              <a:schemeClr val="accent1"/>
-            </a:fillRef>
-            <a:effectRef idx="0">
-              <a:schemeClr val="accent1"/>
-            </a:effectRef>
-            <a:fontRef idx="minor">
+            </a:solidFill>
+            <a:tailEnd type="triangle"/>
+          </a:ln>
+        </p:spPr>
+        <p:style>
+          <a:lnRef idx="1">
+            <a:schemeClr val="accent1"/>
+          </a:lnRef>
+          <a:fillRef idx="0">
+            <a:schemeClr val="accent1"/>
+          </a:fillRef>
+          <a:effectRef idx="0">
+            <a:schemeClr val="accent1"/>
+          </a:effectRef>
+          <a:fontRef idx="minor">
+            <a:schemeClr val="tx1"/>
+          </a:fontRef>
+        </p:style>
+      </p:cxnSp>
+      <p:sp>
+        <p:nvSpPr>
+          <p:cNvPr id="55" name="TextBox 54"/>
+          <p:cNvSpPr txBox="1"/>
+          <p:nvPr/>
+        </p:nvSpPr>
+        <p:spPr>
+          <a:xfrm>
+            <a:off x="1973487" y="6009846"/>
+            <a:ext cx="1020536" cy="276999"/>
+          </a:xfrm>
+          <a:prstGeom prst="rect">
+            <a:avLst/>
+          </a:prstGeom>
+          <a:noFill/>
+        </p:spPr>
+        <p:txBody>
+          <a:bodyPr wrap="none" rtlCol="0">
+            <a:spAutoFit/>
+          </a:bodyPr>
+          <a:lstStyle/>
+          <a:p>
+            <a:r>
+              <a:rPr lang="en-US" sz="1200" dirty="0" smtClean="0"/>
+              <a:t>Fault (Nx4)+1</a:t>
+            </a:r>
+            <a:endParaRPr lang="en-US" sz="1200" dirty="0"/>
+          </a:p>
+        </p:txBody>
+      </p:sp>
+      <p:cxnSp>
+        <p:nvCxnSpPr>
+          <p:cNvPr id="56" name="Straight Arrow Connector 55"/>
+          <p:cNvCxnSpPr>
+            <a:stCxn id="55" idx="0"/>
+          </p:cNvCxnSpPr>
+          <p:nvPr/>
+        </p:nvCxnSpPr>
+        <p:spPr>
+          <a:xfrm flipH="1" flipV="1">
+            <a:off x="2280244" y="5760488"/>
+            <a:ext cx="203511" cy="249358"/>
+          </a:xfrm>
+          <a:prstGeom prst="straightConnector1">
+            <a:avLst/>
+          </a:prstGeom>
+          <a:ln>
+            <a:solidFill>
               <a:schemeClr val="tx1"/>
-            </a:fontRef>
-          </p:style>
-        </p:cxnSp>
-        <p:sp>
-          <p:nvSpPr>
-            <p:cNvPr id="55" name="TextBox 54"/>
-            <p:cNvSpPr txBox="1"/>
-            <p:nvPr/>
-          </p:nvSpPr>
-          <p:spPr>
-            <a:xfrm>
-              <a:off x="2321945" y="5749380"/>
-              <a:ext cx="1020536" cy="276999"/>
-            </a:xfrm>
-            <a:prstGeom prst="rect">
-              <a:avLst/>
-            </a:prstGeom>
-            <a:noFill/>
-          </p:spPr>
-          <p:txBody>
-            <a:bodyPr wrap="none" rtlCol="0">
-              <a:spAutoFit/>
-            </a:bodyPr>
-            <a:lstStyle/>
-            <a:p>
-              <a:r>
-                <a:rPr lang="en-US" sz="1200" dirty="0" smtClean="0"/>
-                <a:t>Fault (Nx4)+3</a:t>
-              </a:r>
-              <a:endParaRPr lang="en-US" sz="1200" dirty="0"/>
-            </a:p>
-          </p:txBody>
-        </p:sp>
-        <p:cxnSp>
-          <p:nvCxnSpPr>
-            <p:cNvPr id="56" name="Straight Arrow Connector 55"/>
-            <p:cNvCxnSpPr>
-              <a:stCxn id="55" idx="0"/>
-            </p:cNvCxnSpPr>
-            <p:nvPr/>
-          </p:nvCxnSpPr>
-          <p:spPr>
-            <a:xfrm flipH="1" flipV="1">
-              <a:off x="2628700" y="5500022"/>
-              <a:ext cx="203513" cy="249358"/>
-            </a:xfrm>
-            <a:prstGeom prst="straightConnector1">
-              <a:avLst/>
-            </a:prstGeom>
-            <a:ln>
-              <a:solidFill>
-                <a:schemeClr val="tx1"/>
-              </a:solidFill>
-              <a:tailEnd type="triangle"/>
-            </a:ln>
-          </p:spPr>
-          <p:style>
-            <a:lnRef idx="1">
-              <a:schemeClr val="accent1"/>
-            </a:lnRef>
-            <a:fillRef idx="0">
-              <a:schemeClr val="accent1"/>
-            </a:fillRef>
-            <a:effectRef idx="0">
-              <a:schemeClr val="accent1"/>
-            </a:effectRef>
-            <a:fontRef idx="minor">
+            </a:solidFill>
+            <a:tailEnd type="triangle"/>
+          </a:ln>
+        </p:spPr>
+        <p:style>
+          <a:lnRef idx="1">
+            <a:schemeClr val="accent1"/>
+          </a:lnRef>
+          <a:fillRef idx="0">
+            <a:schemeClr val="accent1"/>
+          </a:fillRef>
+          <a:effectRef idx="0">
+            <a:schemeClr val="accent1"/>
+          </a:effectRef>
+          <a:fontRef idx="minor">
+            <a:schemeClr val="tx1"/>
+          </a:fontRef>
+        </p:style>
+      </p:cxnSp>
+      <p:cxnSp>
+        <p:nvCxnSpPr>
+          <p:cNvPr id="57" name="Straight Arrow Connector 56"/>
+          <p:cNvCxnSpPr/>
+          <p:nvPr/>
+        </p:nvCxnSpPr>
+        <p:spPr>
+          <a:xfrm>
+            <a:off x="1905000" y="5700002"/>
+            <a:ext cx="822960" cy="0"/>
+          </a:xfrm>
+          <a:prstGeom prst="straightConnector1">
+            <a:avLst/>
+          </a:prstGeom>
+          <a:ln w="28575">
+            <a:headEnd type="triangle"/>
+            <a:tailEnd type="triangle"/>
+          </a:ln>
+        </p:spPr>
+        <p:style>
+          <a:lnRef idx="1">
+            <a:schemeClr val="accent1"/>
+          </a:lnRef>
+          <a:fillRef idx="0">
+            <a:schemeClr val="accent1"/>
+          </a:fillRef>
+          <a:effectRef idx="0">
+            <a:schemeClr val="accent1"/>
+          </a:effectRef>
+          <a:fontRef idx="minor">
+            <a:schemeClr val="tx1"/>
+          </a:fontRef>
+        </p:style>
+      </p:cxnSp>
+      <p:cxnSp>
+        <p:nvCxnSpPr>
+          <p:cNvPr id="58" name="Straight Arrow Connector 57"/>
+          <p:cNvCxnSpPr/>
+          <p:nvPr/>
+        </p:nvCxnSpPr>
+        <p:spPr>
+          <a:xfrm>
+            <a:off x="816429" y="5718735"/>
+            <a:ext cx="822960" cy="0"/>
+          </a:xfrm>
+          <a:prstGeom prst="straightConnector1">
+            <a:avLst/>
+          </a:prstGeom>
+          <a:ln w="28575">
+            <a:headEnd type="triangle"/>
+            <a:tailEnd type="triangle"/>
+          </a:ln>
+        </p:spPr>
+        <p:style>
+          <a:lnRef idx="1">
+            <a:schemeClr val="accent1"/>
+          </a:lnRef>
+          <a:fillRef idx="0">
+            <a:schemeClr val="accent1"/>
+          </a:fillRef>
+          <a:effectRef idx="0">
+            <a:schemeClr val="accent1"/>
+          </a:effectRef>
+          <a:fontRef idx="minor">
+            <a:schemeClr val="tx1"/>
+          </a:fontRef>
+        </p:style>
+      </p:cxnSp>
+      <p:sp>
+        <p:nvSpPr>
+          <p:cNvPr id="60" name="TextBox 59"/>
+          <p:cNvSpPr txBox="1"/>
+          <p:nvPr/>
+        </p:nvSpPr>
+        <p:spPr>
+          <a:xfrm>
+            <a:off x="784798" y="6028322"/>
+            <a:ext cx="1020536" cy="276999"/>
+          </a:xfrm>
+          <a:prstGeom prst="rect">
+            <a:avLst/>
+          </a:prstGeom>
+          <a:noFill/>
+        </p:spPr>
+        <p:txBody>
+          <a:bodyPr wrap="none" rtlCol="0">
+            <a:spAutoFit/>
+          </a:bodyPr>
+          <a:lstStyle/>
+          <a:p>
+            <a:r>
+              <a:rPr lang="en-US" sz="1200" dirty="0" smtClean="0"/>
+              <a:t>Fault (Nx4)+2</a:t>
+            </a:r>
+            <a:endParaRPr lang="en-US" sz="1200" dirty="0"/>
+          </a:p>
+        </p:txBody>
+      </p:sp>
+      <p:cxnSp>
+        <p:nvCxnSpPr>
+          <p:cNvPr id="61" name="Straight Arrow Connector 60"/>
+          <p:cNvCxnSpPr>
+            <a:stCxn id="60" idx="0"/>
+          </p:cNvCxnSpPr>
+          <p:nvPr/>
+        </p:nvCxnSpPr>
+        <p:spPr>
+          <a:xfrm flipH="1" flipV="1">
+            <a:off x="1091557" y="5778964"/>
+            <a:ext cx="203509" cy="249358"/>
+          </a:xfrm>
+          <a:prstGeom prst="straightConnector1">
+            <a:avLst/>
+          </a:prstGeom>
+          <a:ln>
+            <a:solidFill>
               <a:schemeClr val="tx1"/>
-            </a:fontRef>
-          </p:style>
-        </p:cxnSp>
-        <p:cxnSp>
-          <p:nvCxnSpPr>
-            <p:cNvPr id="57" name="Straight Arrow Connector 56"/>
-            <p:cNvCxnSpPr/>
-            <p:nvPr/>
-          </p:nvCxnSpPr>
-          <p:spPr>
-            <a:xfrm>
-              <a:off x="2253458" y="5439536"/>
-              <a:ext cx="822960" cy="0"/>
-            </a:xfrm>
-            <a:prstGeom prst="straightConnector1">
-              <a:avLst/>
-            </a:prstGeom>
-            <a:ln w="28575">
-              <a:headEnd type="triangle"/>
-              <a:tailEnd type="triangle"/>
-            </a:ln>
-          </p:spPr>
-          <p:style>
-            <a:lnRef idx="1">
-              <a:schemeClr val="accent1"/>
-            </a:lnRef>
-            <a:fillRef idx="0">
-              <a:schemeClr val="accent1"/>
-            </a:fillRef>
-            <a:effectRef idx="0">
-              <a:schemeClr val="accent1"/>
-            </a:effectRef>
-            <a:fontRef idx="minor">
-              <a:schemeClr val="tx1"/>
-            </a:fontRef>
-          </p:style>
-        </p:cxnSp>
-        <p:cxnSp>
-          <p:nvCxnSpPr>
-            <p:cNvPr id="58" name="Straight Arrow Connector 57"/>
-            <p:cNvCxnSpPr/>
-            <p:nvPr/>
-          </p:nvCxnSpPr>
-          <p:spPr>
-            <a:xfrm>
-              <a:off x="1164887" y="5458269"/>
-              <a:ext cx="822960" cy="0"/>
-            </a:xfrm>
-            <a:prstGeom prst="straightConnector1">
-              <a:avLst/>
-            </a:prstGeom>
-            <a:ln w="28575">
-              <a:headEnd type="triangle"/>
-              <a:tailEnd type="triangle"/>
-            </a:ln>
-          </p:spPr>
-          <p:style>
-            <a:lnRef idx="1">
-              <a:schemeClr val="accent1"/>
-            </a:lnRef>
-            <a:fillRef idx="0">
-              <a:schemeClr val="accent1"/>
-            </a:fillRef>
-            <a:effectRef idx="0">
-              <a:schemeClr val="accent1"/>
-            </a:effectRef>
-            <a:fontRef idx="minor">
-              <a:schemeClr val="tx1"/>
-            </a:fontRef>
-          </p:style>
-        </p:cxnSp>
-        <p:sp>
-          <p:nvSpPr>
-            <p:cNvPr id="60" name="TextBox 59"/>
-            <p:cNvSpPr txBox="1"/>
-            <p:nvPr/>
-          </p:nvSpPr>
-          <p:spPr>
-            <a:xfrm>
-              <a:off x="1133256" y="5767856"/>
-              <a:ext cx="1020536" cy="276999"/>
-            </a:xfrm>
-            <a:prstGeom prst="rect">
-              <a:avLst/>
-            </a:prstGeom>
-            <a:noFill/>
-          </p:spPr>
-          <p:txBody>
-            <a:bodyPr wrap="none" rtlCol="0">
-              <a:spAutoFit/>
-            </a:bodyPr>
-            <a:lstStyle/>
-            <a:p>
-              <a:r>
-                <a:rPr lang="en-US" sz="1200" dirty="0" smtClean="0"/>
-                <a:t>Fault (Nx4)+4</a:t>
-              </a:r>
-              <a:endParaRPr lang="en-US" sz="1200" dirty="0"/>
-            </a:p>
-          </p:txBody>
-        </p:sp>
-        <p:cxnSp>
-          <p:nvCxnSpPr>
-            <p:cNvPr id="61" name="Straight Arrow Connector 60"/>
-            <p:cNvCxnSpPr>
-              <a:stCxn id="60" idx="0"/>
-            </p:cNvCxnSpPr>
-            <p:nvPr/>
-          </p:nvCxnSpPr>
-          <p:spPr>
-            <a:xfrm flipH="1" flipV="1">
-              <a:off x="1440013" y="5518498"/>
-              <a:ext cx="203511" cy="249358"/>
-            </a:xfrm>
-            <a:prstGeom prst="straightConnector1">
-              <a:avLst/>
-            </a:prstGeom>
-            <a:ln>
-              <a:solidFill>
-                <a:schemeClr val="tx1"/>
-              </a:solidFill>
-              <a:tailEnd type="triangle"/>
-            </a:ln>
-          </p:spPr>
-          <p:style>
-            <a:lnRef idx="1">
-              <a:schemeClr val="accent1"/>
-            </a:lnRef>
-            <a:fillRef idx="0">
-              <a:schemeClr val="accent1"/>
-            </a:fillRef>
-            <a:effectRef idx="0">
-              <a:schemeClr val="accent1"/>
-            </a:effectRef>
-            <a:fontRef idx="minor">
-              <a:schemeClr val="tx1"/>
-            </a:fontRef>
-          </p:style>
-        </p:cxnSp>
-      </p:grpSp>
+            </a:solidFill>
+            <a:tailEnd type="triangle"/>
+          </a:ln>
+        </p:spPr>
+        <p:style>
+          <a:lnRef idx="1">
+            <a:schemeClr val="accent1"/>
+          </a:lnRef>
+          <a:fillRef idx="0">
+            <a:schemeClr val="accent1"/>
+          </a:fillRef>
+          <a:effectRef idx="0">
+            <a:schemeClr val="accent1"/>
+          </a:effectRef>
+          <a:fontRef idx="minor">
+            <a:schemeClr val="tx1"/>
+          </a:fontRef>
+        </p:style>
+      </p:cxnSp>
       <p:cxnSp>
         <p:nvCxnSpPr>
           <p:cNvPr id="62" name="Curved Connector 61"/>
@@ -12370,7 +12356,7 @@
             <a:avLst/>
           </a:prstGeom>
           <a:solidFill>
-            <a:schemeClr val="bg1"/>
+            <a:schemeClr val="tx1"/>
           </a:solidFill>
         </p:spPr>
         <p:style>
@@ -12417,7 +12403,7 @@
             <a:avLst/>
           </a:prstGeom>
           <a:solidFill>
-            <a:schemeClr val="bg1"/>
+            <a:schemeClr val="tx1"/>
           </a:solidFill>
         </p:spPr>
         <p:style>
@@ -12460,7 +12446,7 @@
             <a:avLst/>
           </a:prstGeom>
           <a:solidFill>
-            <a:schemeClr val="bg1"/>
+            <a:schemeClr val="tx1"/>
           </a:solidFill>
         </p:spPr>
         <p:style>
@@ -12503,7 +12489,7 @@
             <a:avLst/>
           </a:prstGeom>
           <a:solidFill>
-            <a:schemeClr val="bg1"/>
+            <a:schemeClr val="tx1"/>
           </a:solidFill>
         </p:spPr>
         <p:style>
@@ -12546,7 +12532,7 @@
             <a:avLst/>
           </a:prstGeom>
           <a:solidFill>
-            <a:schemeClr val="bg1"/>
+            <a:schemeClr val="tx1"/>
           </a:solidFill>
         </p:spPr>
         <p:style>
@@ -12593,7 +12579,7 @@
             <a:avLst/>
           </a:prstGeom>
           <a:solidFill>
-            <a:schemeClr val="bg1"/>
+            <a:schemeClr val="tx1"/>
           </a:solidFill>
         </p:spPr>
         <p:style>
@@ -12636,7 +12622,7 @@
             <a:avLst/>
           </a:prstGeom>
           <a:solidFill>
-            <a:schemeClr val="bg1"/>
+            <a:schemeClr val="tx1"/>
           </a:solidFill>
         </p:spPr>
         <p:style>
@@ -12679,7 +12665,7 @@
             <a:avLst/>
           </a:prstGeom>
           <a:solidFill>
-            <a:schemeClr val="bg1"/>
+            <a:schemeClr val="tx1"/>
           </a:solidFill>
         </p:spPr>
         <p:style>
@@ -14232,7 +14218,7 @@
             <a:avLst/>
           </a:prstGeom>
           <a:solidFill>
-            <a:schemeClr val="bg1"/>
+            <a:schemeClr val="tx1"/>
           </a:solidFill>
         </p:spPr>
         <p:style>
@@ -14279,7 +14265,7 @@
             <a:avLst/>
           </a:prstGeom>
           <a:solidFill>
-            <a:schemeClr val="bg1"/>
+            <a:schemeClr val="tx1"/>
           </a:solidFill>
         </p:spPr>
         <p:style>
@@ -14322,7 +14308,7 @@
             <a:avLst/>
           </a:prstGeom>
           <a:solidFill>
-            <a:schemeClr val="bg1"/>
+            <a:schemeClr val="tx1"/>
           </a:solidFill>
         </p:spPr>
         <p:style>
@@ -14365,7 +14351,7 @@
             <a:avLst/>
           </a:prstGeom>
           <a:solidFill>
-            <a:schemeClr val="bg1"/>
+            <a:schemeClr val="tx1"/>
           </a:solidFill>
         </p:spPr>
         <p:style>
@@ -14408,7 +14394,7 @@
             <a:avLst/>
           </a:prstGeom>
           <a:solidFill>
-            <a:schemeClr val="bg1"/>
+            <a:schemeClr val="tx1"/>
           </a:solidFill>
         </p:spPr>
         <p:style>
@@ -14455,7 +14441,7 @@
             <a:avLst/>
           </a:prstGeom>
           <a:solidFill>
-            <a:schemeClr val="bg1"/>
+            <a:schemeClr val="tx1"/>
           </a:solidFill>
         </p:spPr>
         <p:style>
@@ -14498,7 +14484,7 @@
             <a:avLst/>
           </a:prstGeom>
           <a:solidFill>
-            <a:schemeClr val="bg1"/>
+            <a:schemeClr val="tx1"/>
           </a:solidFill>
         </p:spPr>
         <p:style>
@@ -14541,7 +14527,7 @@
             <a:avLst/>
           </a:prstGeom>
           <a:solidFill>
-            <a:schemeClr val="bg1"/>
+            <a:schemeClr val="tx1"/>
           </a:solidFill>
         </p:spPr>
         <p:style>
@@ -17048,13 +17034,13 @@
       </p:cxnSp>
       <p:cxnSp>
         <p:nvCxnSpPr>
-          <p:cNvPr id="35" name="Straight Arrow Connector 34"/>
+          <p:cNvPr id="38" name="Straight Arrow Connector 37"/>
           <p:cNvCxnSpPr/>
           <p:nvPr/>
         </p:nvCxnSpPr>
         <p:spPr>
           <a:xfrm>
-            <a:off x="4674226" y="5558590"/>
+            <a:off x="539833" y="5521575"/>
             <a:ext cx="274320" cy="0"/>
           </a:xfrm>
           <a:prstGeom prst="straightConnector1">
@@ -17082,14 +17068,14 @@
       </p:cxnSp>
       <p:sp>
         <p:nvSpPr>
-          <p:cNvPr id="36" name="TextBox 35"/>
+          <p:cNvPr id="39" name="TextBox 38"/>
           <p:cNvSpPr txBox="1"/>
           <p:nvPr/>
         </p:nvSpPr>
         <p:spPr>
           <a:xfrm>
-            <a:off x="4490792" y="5850521"/>
-            <a:ext cx="827471" cy="276999"/>
+            <a:off x="322110" y="6097416"/>
+            <a:ext cx="468398" cy="276999"/>
           </a:xfrm>
           <a:prstGeom prst="rect">
             <a:avLst/>
@@ -17104,27 +17090,28 @@
           <a:p>
             <a:r>
               <a:rPr lang="en-US" sz="1200" dirty="0" smtClean="0"/>
-              <a:t>Channel </a:t>
-            </a:r>
-            <a:r>
-              <a:rPr lang="en-US" sz="1200" dirty="0"/>
-              <a:t>N</a:t>
-            </a:r>
+              <a:t>Bit</a:t>
+            </a:r>
+            <a:r>
+              <a:rPr lang="en-US" sz="1200" dirty="0" smtClean="0"/>
+              <a:t> 7</a:t>
+            </a:r>
+            <a:endParaRPr lang="en-US" sz="1200" dirty="0"/>
           </a:p>
         </p:txBody>
       </p:sp>
       <p:cxnSp>
         <p:nvCxnSpPr>
-          <p:cNvPr id="37" name="Straight Arrow Connector 36"/>
+          <p:cNvPr id="40" name="Straight Arrow Connector 39"/>
           <p:cNvCxnSpPr>
-            <a:stCxn id="36" idx="0"/>
+            <a:stCxn id="39" idx="0"/>
           </p:cNvCxnSpPr>
           <p:nvPr/>
         </p:nvCxnSpPr>
         <p:spPr>
-          <a:xfrm flipH="1" flipV="1">
-            <a:off x="4797558" y="5601163"/>
-            <a:ext cx="106970" cy="249358"/>
+          <a:xfrm flipV="1">
+            <a:off x="556309" y="5597974"/>
+            <a:ext cx="99888" cy="499442"/>
           </a:xfrm>
           <a:prstGeom prst="straightConnector1">
             <a:avLst/>
@@ -17153,13 +17140,13 @@
       </p:cxnSp>
       <p:cxnSp>
         <p:nvCxnSpPr>
-          <p:cNvPr id="38" name="Straight Arrow Connector 37"/>
+          <p:cNvPr id="41" name="Straight Arrow Connector 40"/>
           <p:cNvCxnSpPr/>
           <p:nvPr/>
         </p:nvCxnSpPr>
         <p:spPr>
           <a:xfrm>
-            <a:off x="539833" y="5521575"/>
+            <a:off x="2468248" y="5504499"/>
             <a:ext cx="274320" cy="0"/>
           </a:xfrm>
           <a:prstGeom prst="straightConnector1">
@@ -17187,14 +17174,14 @@
       </p:cxnSp>
       <p:sp>
         <p:nvSpPr>
-          <p:cNvPr id="39" name="TextBox 38"/>
+          <p:cNvPr id="42" name="TextBox 41"/>
           <p:cNvSpPr txBox="1"/>
           <p:nvPr/>
         </p:nvSpPr>
         <p:spPr>
           <a:xfrm>
-            <a:off x="322110" y="6097416"/>
-            <a:ext cx="827471" cy="276999"/>
+            <a:off x="2250525" y="6080340"/>
+            <a:ext cx="468398" cy="276999"/>
           </a:xfrm>
           <a:prstGeom prst="rect">
             <a:avLst/>
@@ -17209,7 +17196,11 @@
           <a:p>
             <a:r>
               <a:rPr lang="en-US" sz="1200" dirty="0" smtClean="0"/>
-              <a:t>Channel N</a:t>
+              <a:t>Bit</a:t>
+            </a:r>
+            <a:r>
+              <a:rPr lang="en-US" sz="1200" dirty="0" smtClean="0"/>
+              <a:t> 0</a:t>
             </a:r>
             <a:endParaRPr lang="en-US" sz="1200" dirty="0"/>
           </a:p>
@@ -17217,16 +17208,226 @@
       </p:sp>
       <p:cxnSp>
         <p:nvCxnSpPr>
-          <p:cNvPr id="40" name="Straight Arrow Connector 39"/>
+          <p:cNvPr id="43" name="Straight Arrow Connector 42"/>
           <p:cNvCxnSpPr>
-            <a:stCxn id="39" idx="0"/>
+            <a:stCxn id="42" idx="0"/>
           </p:cNvCxnSpPr>
           <p:nvPr/>
         </p:nvCxnSpPr>
         <p:spPr>
+          <a:xfrm flipV="1">
+            <a:off x="2484724" y="5580898"/>
+            <a:ext cx="99888" cy="499442"/>
+          </a:xfrm>
+          <a:prstGeom prst="straightConnector1">
+            <a:avLst/>
+          </a:prstGeom>
+          <a:ln>
+            <a:solidFill>
+              <a:schemeClr val="tx1"/>
+            </a:solidFill>
+            <a:tailEnd type="triangle"/>
+          </a:ln>
+        </p:spPr>
+        <p:style>
+          <a:lnRef idx="1">
+            <a:schemeClr val="accent1"/>
+          </a:lnRef>
+          <a:fillRef idx="0">
+            <a:schemeClr val="accent1"/>
+          </a:fillRef>
+          <a:effectRef idx="0">
+            <a:schemeClr val="accent1"/>
+          </a:effectRef>
+          <a:fontRef idx="minor">
+            <a:schemeClr val="tx1"/>
+          </a:fontRef>
+        </p:style>
+      </p:cxnSp>
+      <p:cxnSp>
+        <p:nvCxnSpPr>
+          <p:cNvPr id="47" name="Straight Arrow Connector 46"/>
+          <p:cNvCxnSpPr/>
+          <p:nvPr/>
+        </p:nvCxnSpPr>
+        <p:spPr>
+          <a:xfrm>
+            <a:off x="2754376" y="5521575"/>
+            <a:ext cx="274320" cy="0"/>
+          </a:xfrm>
+          <a:prstGeom prst="straightConnector1">
+            <a:avLst/>
+          </a:prstGeom>
+          <a:ln w="28575">
+            <a:headEnd type="triangle"/>
+            <a:tailEnd type="triangle"/>
+          </a:ln>
+        </p:spPr>
+        <p:style>
+          <a:lnRef idx="1">
+            <a:schemeClr val="accent1"/>
+          </a:lnRef>
+          <a:fillRef idx="0">
+            <a:schemeClr val="accent1"/>
+          </a:fillRef>
+          <a:effectRef idx="0">
+            <a:schemeClr val="accent1"/>
+          </a:effectRef>
+          <a:fontRef idx="minor">
+            <a:schemeClr val="tx1"/>
+          </a:fontRef>
+        </p:style>
+      </p:cxnSp>
+      <p:sp>
+        <p:nvSpPr>
+          <p:cNvPr id="49" name="TextBox 48"/>
+          <p:cNvSpPr txBox="1"/>
+          <p:nvPr/>
+        </p:nvSpPr>
+        <p:spPr>
+          <a:xfrm>
+            <a:off x="2701479" y="6090123"/>
+            <a:ext cx="546945" cy="276999"/>
+          </a:xfrm>
+          <a:prstGeom prst="rect">
+            <a:avLst/>
+          </a:prstGeom>
+          <a:noFill/>
+        </p:spPr>
+        <p:txBody>
+          <a:bodyPr wrap="none" rtlCol="0">
+            <a:spAutoFit/>
+          </a:bodyPr>
+          <a:lstStyle/>
+          <a:p>
+            <a:r>
+              <a:rPr lang="en-US" sz="1200" dirty="0" smtClean="0"/>
+              <a:t>Bit</a:t>
+            </a:r>
+            <a:r>
+              <a:rPr lang="en-US" sz="1200" dirty="0" smtClean="0"/>
+              <a:t> 16</a:t>
+            </a:r>
+            <a:endParaRPr lang="en-US" sz="1200" dirty="0"/>
+          </a:p>
+        </p:txBody>
+      </p:sp>
+      <p:cxnSp>
+        <p:nvCxnSpPr>
+          <p:cNvPr id="51" name="Straight Arrow Connector 50"/>
+          <p:cNvCxnSpPr/>
+          <p:nvPr/>
+        </p:nvCxnSpPr>
+        <p:spPr>
           <a:xfrm flipH="1" flipV="1">
-            <a:off x="656196" y="5597974"/>
-            <a:ext cx="79650" cy="499442"/>
+            <a:off x="2870740" y="5597974"/>
+            <a:ext cx="64938" cy="499442"/>
+          </a:xfrm>
+          <a:prstGeom prst="straightConnector1">
+            <a:avLst/>
+          </a:prstGeom>
+          <a:ln>
+            <a:solidFill>
+              <a:schemeClr val="tx1"/>
+            </a:solidFill>
+            <a:tailEnd type="triangle"/>
+          </a:ln>
+        </p:spPr>
+        <p:style>
+          <a:lnRef idx="1">
+            <a:schemeClr val="accent1"/>
+          </a:lnRef>
+          <a:fillRef idx="0">
+            <a:schemeClr val="accent1"/>
+          </a:fillRef>
+          <a:effectRef idx="0">
+            <a:schemeClr val="accent1"/>
+          </a:effectRef>
+          <a:fontRef idx="minor">
+            <a:schemeClr val="tx1"/>
+          </a:fontRef>
+        </p:style>
+      </p:cxnSp>
+      <p:cxnSp>
+        <p:nvCxnSpPr>
+          <p:cNvPr id="53" name="Straight Arrow Connector 52"/>
+          <p:cNvCxnSpPr/>
+          <p:nvPr/>
+        </p:nvCxnSpPr>
+        <p:spPr>
+          <a:xfrm>
+            <a:off x="4660001" y="5521575"/>
+            <a:ext cx="274320" cy="0"/>
+          </a:xfrm>
+          <a:prstGeom prst="straightConnector1">
+            <a:avLst/>
+          </a:prstGeom>
+          <a:ln w="28575">
+            <a:headEnd type="triangle"/>
+            <a:tailEnd type="triangle"/>
+          </a:ln>
+        </p:spPr>
+        <p:style>
+          <a:lnRef idx="1">
+            <a:schemeClr val="accent1"/>
+          </a:lnRef>
+          <a:fillRef idx="0">
+            <a:schemeClr val="accent1"/>
+          </a:fillRef>
+          <a:effectRef idx="0">
+            <a:schemeClr val="accent1"/>
+          </a:effectRef>
+          <a:fontRef idx="minor">
+            <a:schemeClr val="tx1"/>
+          </a:fontRef>
+        </p:style>
+      </p:cxnSp>
+      <p:sp>
+        <p:nvSpPr>
+          <p:cNvPr id="55" name="TextBox 54"/>
+          <p:cNvSpPr txBox="1"/>
+          <p:nvPr/>
+        </p:nvSpPr>
+        <p:spPr>
+          <a:xfrm>
+            <a:off x="4442278" y="6097416"/>
+            <a:ext cx="468398" cy="276999"/>
+          </a:xfrm>
+          <a:prstGeom prst="rect">
+            <a:avLst/>
+          </a:prstGeom>
+          <a:noFill/>
+        </p:spPr>
+        <p:txBody>
+          <a:bodyPr wrap="none" rtlCol="0">
+            <a:spAutoFit/>
+          </a:bodyPr>
+          <a:lstStyle/>
+          <a:p>
+            <a:r>
+              <a:rPr lang="en-US" sz="1200" dirty="0" smtClean="0"/>
+              <a:t>Bit</a:t>
+            </a:r>
+            <a:r>
+              <a:rPr lang="en-US" sz="1200" dirty="0" smtClean="0"/>
+              <a:t> 8</a:t>
+            </a:r>
+            <a:endParaRPr lang="en-US" sz="1200" dirty="0"/>
+          </a:p>
+        </p:txBody>
+      </p:sp>
+      <p:cxnSp>
+        <p:nvCxnSpPr>
+          <p:cNvPr id="56" name="Straight Arrow Connector 55"/>
+          <p:cNvCxnSpPr>
+            <a:stCxn id="55" idx="0"/>
+          </p:cNvCxnSpPr>
+          <p:nvPr/>
+        </p:nvCxnSpPr>
+        <p:spPr>
+          <a:xfrm flipV="1">
+            <a:off x="4676477" y="5597974"/>
+            <a:ext cx="99888" cy="499442"/>
           </a:xfrm>
           <a:prstGeom prst="straightConnector1">
             <a:avLst/>
